--- a/docs/wee02-lec02-tipos de arquivos.pptx
+++ b/docs/wee02-lec02-tipos de arquivos.pptx
@@ -1427,49 +1427,7 @@
               <a:rPr b="0" lang="en-US" sz="4400" spc="-1" strike="noStrike">
                 <a:latin typeface="Arial"/>
               </a:rPr>
-              <a:t>Clic</a:t>
-            </a:r>
-            <a:r>
-              <a:rPr b="0" lang="en-US" sz="4400" spc="-1" strike="noStrike">
-                <a:latin typeface="Arial"/>
-              </a:rPr>
-              <a:t>k to </a:t>
-            </a:r>
-            <a:r>
-              <a:rPr b="0" lang="en-US" sz="4400" spc="-1" strike="noStrike">
-                <a:latin typeface="Arial"/>
-              </a:rPr>
-              <a:t>edit </a:t>
-            </a:r>
-            <a:r>
-              <a:rPr b="0" lang="en-US" sz="4400" spc="-1" strike="noStrike">
-                <a:latin typeface="Arial"/>
-              </a:rPr>
-              <a:t>the </a:t>
-            </a:r>
-            <a:r>
-              <a:rPr b="0" lang="en-US" sz="4400" spc="-1" strike="noStrike">
-                <a:latin typeface="Arial"/>
-              </a:rPr>
-              <a:t>title </a:t>
-            </a:r>
-            <a:r>
-              <a:rPr b="0" lang="en-US" sz="4400" spc="-1" strike="noStrike">
-                <a:latin typeface="Arial"/>
-              </a:rPr>
-              <a:t>text </a:t>
-            </a:r>
-            <a:r>
-              <a:rPr b="0" lang="en-US" sz="4400" spc="-1" strike="noStrike">
-                <a:latin typeface="Arial"/>
-              </a:rPr>
-              <a:t>for</a:t>
-            </a:r>
-            <a:r>
-              <a:rPr b="0" lang="en-US" sz="4400" spc="-1" strike="noStrike">
-                <a:latin typeface="Arial"/>
-              </a:rPr>
-              <a:t>mat</a:t>
+              <a:t>Click to edit the title text format</a:t>
             </a:r>
             <a:endParaRPr b="0" lang="en-US" sz="4400" spc="-1" strike="noStrike">
               <a:latin typeface="Arial"/>
@@ -1702,7 +1660,7 @@
         <p:spPr>
           <a:xfrm>
             <a:off x="1463040" y="1005840"/>
-            <a:ext cx="7128720" cy="1642320"/>
+            <a:ext cx="7128000" cy="1641600"/>
           </a:xfrm>
           <a:custGeom>
             <a:avLst/>
@@ -1885,7 +1843,7 @@
         <p:spPr>
           <a:xfrm>
             <a:off x="2468880" y="3474720"/>
-            <a:ext cx="4385520" cy="1649160"/>
+            <a:ext cx="4384800" cy="1648440"/>
           </a:xfrm>
           <a:prstGeom prst="rect">
             <a:avLst/>
@@ -2030,7 +1988,7 @@
         <p:spPr>
           <a:xfrm>
             <a:off x="7947360" y="360"/>
-            <a:ext cx="2130840" cy="778320"/>
+            <a:ext cx="2130120" cy="777600"/>
           </a:xfrm>
           <a:prstGeom prst="rect">
             <a:avLst/>
@@ -2053,7 +2011,7 @@
         <p:spPr>
           <a:xfrm>
             <a:off x="0" y="360"/>
-            <a:ext cx="2192040" cy="666000"/>
+            <a:ext cx="2191320" cy="665280"/>
           </a:xfrm>
           <a:prstGeom prst="rect">
             <a:avLst/>
@@ -2102,7 +2060,7 @@
         <p:spPr>
           <a:xfrm>
             <a:off x="0" y="0"/>
-            <a:ext cx="10076400" cy="727920"/>
+            <a:ext cx="10075680" cy="727200"/>
           </a:xfrm>
           <a:prstGeom prst="rect">
             <a:avLst/>
@@ -2158,7 +2116,7 @@
         <p:spPr>
           <a:xfrm>
             <a:off x="136080" y="809280"/>
-            <a:ext cx="9005760" cy="468720"/>
+            <a:ext cx="9005040" cy="468000"/>
           </a:xfrm>
           <a:prstGeom prst="rect">
             <a:avLst/>
@@ -2222,14 +2180,14 @@
       </p:sp>
       <p:sp>
         <p:nvSpPr>
-          <p:cNvPr id="74" name="TextShape 3"/>
-          <p:cNvSpPr txBox="1"/>
+          <p:cNvPr id="74" name="CustomShape 3"/>
+          <p:cNvSpPr/>
           <p:nvPr/>
         </p:nvSpPr>
         <p:spPr>
           <a:xfrm>
-            <a:off x="1828800" y="737280"/>
-            <a:ext cx="7498080" cy="4962600"/>
+            <a:off x="1828800" y="1601280"/>
+            <a:ext cx="7497360" cy="3976200"/>
           </a:xfrm>
           <a:prstGeom prst="rect">
             <a:avLst/>
@@ -2239,24 +2197,47 @@
             <a:noFill/>
           </a:ln>
         </p:spPr>
+        <p:style>
+          <a:lnRef idx="0"/>
+          <a:fillRef idx="0"/>
+          <a:effectRef idx="0"/>
+          <a:fontRef idx="minor"/>
+        </p:style>
         <p:txBody>
           <a:bodyPr lIns="90000" rIns="90000" tIns="45000" bIns="45000">
             <a:noAutofit/>
           </a:bodyPr>
           <a:p>
+            <a:pPr>
+              <a:lnSpc>
+                <a:spcPct val="100000"/>
+              </a:lnSpc>
+            </a:pPr>
             <a:r>
               <a:rPr b="0" lang="en-US" sz="1300" spc="-1" strike="noStrike">
-                <a:latin typeface="arial"/>
+                <a:solidFill>
+                  <a:srgbClr val="000000"/>
+                </a:solidFill>
+                <a:latin typeface="arial"/>
+                <a:ea typeface="DejaVu Sans"/>
               </a:rPr>
               <a:t>&lt;mensagem_screta&gt;</a:t>
             </a:r>
             <a:endParaRPr b="0" lang="en-US" sz="1300" spc="-1" strike="noStrike">
-              <a:latin typeface="arial"/>
-            </a:endParaRPr>
-          </a:p>
-          <a:p>
+              <a:latin typeface="Arial"/>
+            </a:endParaRPr>
+          </a:p>
+          <a:p>
+            <a:pPr>
+              <a:lnSpc>
+                <a:spcPct val="100000"/>
+              </a:lnSpc>
+            </a:pPr>
             <a:r>
               <a:rPr b="0" lang="en-US" sz="1200" spc="-1" strike="noStrike">
+                <a:solidFill>
+                  <a:srgbClr val="000000"/>
+                </a:solidFill>
                 <a:latin typeface="arial"/>
                 <a:ea typeface="Noto Sans CJK SC"/>
               </a:rPr>
@@ -2264,6 +2245,9 @@
             </a:r>
             <a:r>
               <a:rPr b="0" lang="en-US" sz="1200" spc="-1" strike="noStrike">
+                <a:solidFill>
+                  <a:srgbClr val="000000"/>
+                </a:solidFill>
                 <a:latin typeface="arial"/>
                 <a:ea typeface="Noto Sans CJK SC"/>
               </a:rPr>
@@ -2271,125 +2255,219 @@
             </a:r>
             <a:r>
               <a:rPr b="0" lang="en-US" sz="1300" spc="-1" strike="noStrike">
-                <a:latin typeface="arial"/>
+                <a:solidFill>
+                  <a:srgbClr val="000000"/>
+                </a:solidFill>
+                <a:latin typeface="arial"/>
+                <a:ea typeface="Noto Sans CJK SC"/>
               </a:rPr>
               <a:t>depto</a:t>
             </a:r>
             <a:r>
               <a:rPr b="0" lang="en-US" sz="1200" spc="-1" strike="noStrike">
-                <a:latin typeface="arial"/>
+                <a:solidFill>
+                  <a:srgbClr val="000000"/>
+                </a:solidFill>
+                <a:latin typeface="arial"/>
+                <a:ea typeface="Noto Sans CJK SC"/>
               </a:rPr>
               <a:t>&gt;</a:t>
             </a:r>
             <a:endParaRPr b="0" lang="en-US" sz="1200" spc="-1" strike="noStrike">
-              <a:latin typeface="arial"/>
-            </a:endParaRPr>
-          </a:p>
-          <a:p>
+              <a:latin typeface="Arial"/>
+            </a:endParaRPr>
+          </a:p>
+          <a:p>
+            <a:pPr>
+              <a:lnSpc>
+                <a:spcPct val="100000"/>
+              </a:lnSpc>
+            </a:pPr>
             <a:r>
               <a:rPr b="0" lang="en-US" sz="1300" spc="-1" strike="noStrike">
-                <a:latin typeface="arial"/>
+                <a:solidFill>
+                  <a:srgbClr val="000000"/>
+                </a:solidFill>
+                <a:latin typeface="arial"/>
+                <a:ea typeface="Noto Sans CJK SC"/>
               </a:rPr>
               <a:t>  </a:t>
             </a:r>
             <a:r>
               <a:rPr b="0" lang="en-US" sz="1300" spc="-1" strike="noStrike">
-                <a:latin typeface="arial"/>
+                <a:solidFill>
+                  <a:srgbClr val="000000"/>
+                </a:solidFill>
+                <a:latin typeface="arial"/>
+                <a:ea typeface="Noto Sans CJK SC"/>
               </a:rPr>
               <a:t>&lt;to&gt;João&lt;/to&gt;</a:t>
             </a:r>
             <a:endParaRPr b="0" lang="en-US" sz="1300" spc="-1" strike="noStrike">
-              <a:latin typeface="arial"/>
-            </a:endParaRPr>
-          </a:p>
-          <a:p>
+              <a:latin typeface="Arial"/>
+            </a:endParaRPr>
+          </a:p>
+          <a:p>
+            <a:pPr>
+              <a:lnSpc>
+                <a:spcPct val="100000"/>
+              </a:lnSpc>
+            </a:pPr>
             <a:r>
               <a:rPr b="0" lang="en-US" sz="1300" spc="-1" strike="noStrike">
-                <a:latin typeface="arial"/>
+                <a:solidFill>
+                  <a:srgbClr val="000000"/>
+                </a:solidFill>
+                <a:latin typeface="arial"/>
+                <a:ea typeface="Noto Sans CJK SC"/>
               </a:rPr>
               <a:t>  </a:t>
             </a:r>
             <a:r>
               <a:rPr b="0" lang="en-US" sz="1300" spc="-1" strike="noStrike">
-                <a:latin typeface="arial"/>
+                <a:solidFill>
+                  <a:srgbClr val="000000"/>
+                </a:solidFill>
+                <a:latin typeface="arial"/>
+                <a:ea typeface="Noto Sans CJK SC"/>
               </a:rPr>
               <a:t>&lt;from&gt;Pedro&lt;/from&gt;</a:t>
             </a:r>
             <a:endParaRPr b="0" lang="en-US" sz="1300" spc="-1" strike="noStrike">
-              <a:latin typeface="arial"/>
-            </a:endParaRPr>
-          </a:p>
-          <a:p>
+              <a:latin typeface="Arial"/>
+            </a:endParaRPr>
+          </a:p>
+          <a:p>
+            <a:pPr>
+              <a:lnSpc>
+                <a:spcPct val="100000"/>
+              </a:lnSpc>
+            </a:pPr>
             <a:r>
               <a:rPr b="0" lang="en-US" sz="1300" spc="-1" strike="noStrike">
-                <a:latin typeface="arial"/>
+                <a:solidFill>
+                  <a:srgbClr val="000000"/>
+                </a:solidFill>
+                <a:latin typeface="arial"/>
+                <a:ea typeface="Noto Sans CJK SC"/>
               </a:rPr>
               <a:t>  </a:t>
             </a:r>
             <a:r>
               <a:rPr b="0" lang="en-US" sz="1300" spc="-1" strike="noStrike">
-                <a:latin typeface="arial"/>
+                <a:solidFill>
+                  <a:srgbClr val="000000"/>
+                </a:solidFill>
+                <a:latin typeface="arial"/>
+                <a:ea typeface="Noto Sans CJK SC"/>
               </a:rPr>
               <a:t>&lt;heading&gt;Descoberta de vacina da Dengue&lt;/heading&gt;</a:t>
             </a:r>
             <a:endParaRPr b="0" lang="en-US" sz="1300" spc="-1" strike="noStrike">
-              <a:latin typeface="arial"/>
-            </a:endParaRPr>
-          </a:p>
-          <a:p>
+              <a:latin typeface="Arial"/>
+            </a:endParaRPr>
+          </a:p>
+          <a:p>
+            <a:pPr>
+              <a:lnSpc>
+                <a:spcPct val="100000"/>
+              </a:lnSpc>
+            </a:pPr>
             <a:r>
               <a:rPr b="0" lang="en-US" sz="1300" spc="-1" strike="noStrike">
-                <a:latin typeface="arial"/>
+                <a:solidFill>
+                  <a:srgbClr val="000000"/>
+                </a:solidFill>
+                <a:latin typeface="arial"/>
+                <a:ea typeface="Noto Sans CJK SC"/>
               </a:rPr>
               <a:t>  </a:t>
             </a:r>
             <a:r>
               <a:rPr b="0" lang="en-US" sz="1300" spc="-1" strike="noStrike">
-                <a:latin typeface="arial"/>
+                <a:solidFill>
+                  <a:srgbClr val="000000"/>
+                </a:solidFill>
+                <a:latin typeface="arial"/>
+                <a:ea typeface="Noto Sans CJK SC"/>
               </a:rPr>
               <a:t>&lt;body&gt;</a:t>
             </a:r>
             <a:endParaRPr b="0" lang="en-US" sz="1300" spc="-1" strike="noStrike">
-              <a:latin typeface="arial"/>
-            </a:endParaRPr>
-          </a:p>
-          <a:p>
+              <a:latin typeface="Arial"/>
+            </a:endParaRPr>
+          </a:p>
+          <a:p>
+            <a:pPr>
+              <a:lnSpc>
+                <a:spcPct val="100000"/>
+              </a:lnSpc>
+            </a:pPr>
             <a:r>
               <a:rPr b="0" lang="en-US" sz="1300" spc="-1" strike="noStrike">
-                <a:latin typeface="arial"/>
+                <a:solidFill>
+                  <a:srgbClr val="000000"/>
+                </a:solidFill>
+                <a:latin typeface="arial"/>
+                <a:ea typeface="Noto Sans CJK SC"/>
               </a:rPr>
               <a:t>      </a:t>
             </a:r>
             <a:r>
               <a:rPr b="0" lang="en-US" sz="1300" spc="-1" strike="noStrike">
-                <a:latin typeface="arial"/>
+                <a:solidFill>
+                  <a:srgbClr val="000000"/>
+                </a:solidFill>
+                <a:latin typeface="arial"/>
+                <a:ea typeface="Noto Sans CJK SC"/>
               </a:rPr>
               <a:t>&lt;issue1&gt;</a:t>
             </a:r>
             <a:endParaRPr b="0" lang="en-US" sz="1300" spc="-1" strike="noStrike">
-              <a:latin typeface="arial"/>
-            </a:endParaRPr>
-          </a:p>
-          <a:p>
+              <a:latin typeface="Arial"/>
+            </a:endParaRPr>
+          </a:p>
+          <a:p>
+            <a:pPr>
+              <a:lnSpc>
+                <a:spcPct val="100000"/>
+              </a:lnSpc>
+            </a:pPr>
             <a:r>
               <a:rPr b="0" lang="en-US" sz="1300" spc="-1" strike="noStrike">
-                <a:latin typeface="arial"/>
+                <a:solidFill>
+                  <a:srgbClr val="000000"/>
+                </a:solidFill>
+                <a:latin typeface="arial"/>
+                <a:ea typeface="Noto Sans CJK SC"/>
               </a:rPr>
               <a:t>         </a:t>
             </a:r>
             <a:r>
               <a:rPr b="0" lang="en-US" sz="1300" spc="-1" strike="noStrike">
-                <a:latin typeface="arial"/>
+                <a:solidFill>
+                  <a:srgbClr val="000000"/>
+                </a:solidFill>
+                <a:latin typeface="arial"/>
+                <a:ea typeface="Noto Sans CJK SC"/>
               </a:rPr>
               <a:t>&lt;item1&gt;assunto 01&lt;/item1&gt;</a:t>
             </a:r>
             <a:endParaRPr b="0" lang="en-US" sz="1300" spc="-1" strike="noStrike">
-              <a:latin typeface="arial"/>
-            </a:endParaRPr>
-          </a:p>
-          <a:p>
+              <a:latin typeface="Arial"/>
+            </a:endParaRPr>
+          </a:p>
+          <a:p>
+            <a:pPr>
+              <a:lnSpc>
+                <a:spcPct val="100000"/>
+              </a:lnSpc>
+            </a:pPr>
             <a:r>
               <a:rPr b="0" lang="en-US" sz="1300" spc="-1" strike="noStrike">
+                <a:solidFill>
+                  <a:srgbClr val="000000"/>
+                </a:solidFill>
                 <a:latin typeface="arial"/>
                 <a:ea typeface="Noto Sans CJK SC"/>
               </a:rPr>
@@ -2397,25 +2475,16 @@
             </a:r>
             <a:r>
               <a:rPr b="0" lang="en-US" sz="1300" spc="-1" strike="noStrike">
+                <a:solidFill>
+                  <a:srgbClr val="000000"/>
+                </a:solidFill>
                 <a:latin typeface="arial"/>
                 <a:ea typeface="Noto Sans CJK SC"/>
               </a:rPr>
-              <a:t>&lt;/</a:t>
-            </a:r>
-            <a:r>
-              <a:rPr b="0" lang="en-US" sz="1300" spc="-1" strike="noStrike">
-                <a:latin typeface="arial"/>
-              </a:rPr>
-              <a:t>issue1</a:t>
-            </a:r>
-            <a:r>
-              <a:rPr b="0" lang="en-US" sz="1300" spc="-1" strike="noStrike">
-                <a:latin typeface="arial"/>
-              </a:rPr>
-              <a:t>&gt;</a:t>
+              <a:t>&lt;/issue1&gt;</a:t>
             </a:r>
             <a:endParaRPr b="0" lang="en-US" sz="1300" spc="-1" strike="noStrike">
-              <a:latin typeface="arial"/>
+              <a:latin typeface="Arial"/>
             </a:endParaRPr>
           </a:p>
           <a:p>
@@ -2432,18 +2501,26 @@
             </a:pPr>
             <a:r>
               <a:rPr b="0" lang="en-US" sz="1300" spc="-1" strike="noStrike">
-                <a:latin typeface="arial"/>
+                <a:solidFill>
+                  <a:srgbClr val="000000"/>
+                </a:solidFill>
+                <a:latin typeface="arial"/>
+                <a:ea typeface="Noto Sans CJK SC"/>
               </a:rPr>
               <a:t>      </a:t>
             </a:r>
             <a:r>
               <a:rPr b="0" lang="en-US" sz="1300" spc="-1" strike="noStrike">
-                <a:latin typeface="arial"/>
+                <a:solidFill>
+                  <a:srgbClr val="000000"/>
+                </a:solidFill>
+                <a:latin typeface="arial"/>
+                <a:ea typeface="Noto Sans CJK SC"/>
               </a:rPr>
               <a:t>&lt;issue2&gt;</a:t>
             </a:r>
             <a:endParaRPr b="0" lang="en-US" sz="1300" spc="-1" strike="noStrike">
-              <a:latin typeface="arial"/>
+              <a:latin typeface="Arial"/>
             </a:endParaRPr>
           </a:p>
           <a:p>
@@ -2460,18 +2537,26 @@
             </a:pPr>
             <a:r>
               <a:rPr b="0" lang="en-US" sz="1300" spc="-1" strike="noStrike">
-                <a:latin typeface="arial"/>
+                <a:solidFill>
+                  <a:srgbClr val="000000"/>
+                </a:solidFill>
+                <a:latin typeface="arial"/>
+                <a:ea typeface="Noto Sans CJK SC"/>
               </a:rPr>
               <a:t>         </a:t>
             </a:r>
             <a:r>
               <a:rPr b="0" lang="en-US" sz="1300" spc="-1" strike="noStrike">
-                <a:latin typeface="arial"/>
+                <a:solidFill>
+                  <a:srgbClr val="000000"/>
+                </a:solidFill>
+                <a:latin typeface="arial"/>
+                <a:ea typeface="Noto Sans CJK SC"/>
               </a:rPr>
               <a:t>&lt;item2&gt;assunto 02&lt;/item2&gt;</a:t>
             </a:r>
             <a:endParaRPr b="0" lang="en-US" sz="1300" spc="-1" strike="noStrike">
-              <a:latin typeface="arial"/>
+              <a:latin typeface="Arial"/>
             </a:endParaRPr>
           </a:p>
           <a:p>
@@ -2488,6 +2573,9 @@
             </a:pPr>
             <a:r>
               <a:rPr b="0" lang="en-US" sz="1300" spc="-1" strike="noStrike">
+                <a:solidFill>
+                  <a:srgbClr val="000000"/>
+                </a:solidFill>
                 <a:latin typeface="arial"/>
                 <a:ea typeface="Noto Sans CJK SC"/>
               </a:rPr>
@@ -2495,128 +2583,257 @@
             </a:r>
             <a:r>
               <a:rPr b="0" lang="en-US" sz="1300" spc="-1" strike="noStrike">
+                <a:solidFill>
+                  <a:srgbClr val="000000"/>
+                </a:solidFill>
                 <a:latin typeface="arial"/>
                 <a:ea typeface="Noto Sans CJK SC"/>
               </a:rPr>
+              <a:t>&lt;/issue2&gt;</a:t>
+            </a:r>
+            <a:endParaRPr b="0" lang="en-US" sz="1300" spc="-1" strike="noStrike">
+              <a:latin typeface="Arial"/>
+            </a:endParaRPr>
+          </a:p>
+          <a:p>
+            <a:pPr>
+              <a:lnSpc>
+                <a:spcPct val="100000"/>
+              </a:lnSpc>
+            </a:pPr>
+            <a:r>
+              <a:rPr b="0" lang="en-US" sz="1300" spc="-1" strike="noStrike">
+                <a:solidFill>
+                  <a:srgbClr val="000000"/>
+                </a:solidFill>
+                <a:latin typeface="arial"/>
+                <a:ea typeface="Noto Sans CJK SC"/>
+              </a:rPr>
+              <a:t>      </a:t>
+            </a:r>
+            <a:r>
+              <a:rPr b="0" lang="en-US" sz="1300" spc="-1" strike="noStrike">
+                <a:solidFill>
+                  <a:srgbClr val="000000"/>
+                </a:solidFill>
+                <a:latin typeface="arial"/>
+                <a:ea typeface="Noto Sans CJK SC"/>
+              </a:rPr>
+              <a:t>&lt;dateline&gt;</a:t>
+            </a:r>
+            <a:endParaRPr b="0" lang="en-US" sz="1300" spc="-1" strike="noStrike">
+              <a:latin typeface="Arial"/>
+            </a:endParaRPr>
+          </a:p>
+          <a:p>
+            <a:pPr>
+              <a:lnSpc>
+                <a:spcPct val="100000"/>
+              </a:lnSpc>
+            </a:pPr>
+            <a:r>
+              <a:rPr b="0" lang="en-US" sz="1300" spc="-1" strike="noStrike">
+                <a:solidFill>
+                  <a:srgbClr val="000000"/>
+                </a:solidFill>
+                <a:latin typeface="arial"/>
+                <a:ea typeface="Noto Sans CJK SC"/>
+              </a:rPr>
+              <a:t>             </a:t>
+            </a:r>
+            <a:r>
+              <a:rPr b="0" lang="en-US" sz="1300" spc="-1" strike="noStrike">
+                <a:solidFill>
+                  <a:srgbClr val="000000"/>
+                </a:solidFill>
+                <a:latin typeface="arial"/>
+                <a:ea typeface="Noto Sans CJK SC"/>
+              </a:rPr>
+              <a:t>&lt;location&gt;Laboratório Clark Kent&lt;/location&gt;</a:t>
+            </a:r>
+            <a:endParaRPr b="0" lang="en-US" sz="1300" spc="-1" strike="noStrike">
+              <a:latin typeface="Arial"/>
+            </a:endParaRPr>
+          </a:p>
+          <a:p>
+            <a:pPr>
+              <a:lnSpc>
+                <a:spcPct val="100000"/>
+              </a:lnSpc>
+            </a:pPr>
+            <a:r>
+              <a:rPr b="0" lang="en-US" sz="1300" spc="-1" strike="noStrike">
+                <a:solidFill>
+                  <a:srgbClr val="000000"/>
+                </a:solidFill>
+                <a:latin typeface="arial"/>
+                <a:ea typeface="Noto Sans CJK SC"/>
+              </a:rPr>
+              <a:t>             </a:t>
+            </a:r>
+            <a:r>
+              <a:rPr b="0" lang="en-US" sz="1300" spc="-1" strike="noStrike">
+                <a:solidFill>
+                  <a:srgbClr val="000000"/>
+                </a:solidFill>
+                <a:latin typeface="arial"/>
+                <a:ea typeface="Noto Sans CJK SC"/>
+              </a:rPr>
+              <a:t>&lt;date&gt;2020-12-31 12:00&lt;/date&gt;</a:t>
+            </a:r>
+            <a:endParaRPr b="0" lang="en-US" sz="1300" spc="-1" strike="noStrike">
+              <a:latin typeface="Arial"/>
+            </a:endParaRPr>
+          </a:p>
+          <a:p>
+            <a:pPr>
+              <a:lnSpc>
+                <a:spcPct val="100000"/>
+              </a:lnSpc>
+            </a:pPr>
+            <a:r>
+              <a:rPr b="0" lang="en-US" sz="1300" spc="-1" strike="noStrike">
+                <a:solidFill>
+                  <a:srgbClr val="000000"/>
+                </a:solidFill>
+                <a:latin typeface="arial"/>
+                <a:ea typeface="Noto Sans CJK SC"/>
+              </a:rPr>
+              <a:t>       </a:t>
+            </a:r>
+            <a:r>
+              <a:rPr b="0" lang="en-US" sz="1300" spc="-1" strike="noStrike">
+                <a:solidFill>
+                  <a:srgbClr val="000000"/>
+                </a:solidFill>
+                <a:latin typeface="arial"/>
+                <a:ea typeface="Noto Sans CJK SC"/>
+              </a:rPr>
+              <a:t>&lt;/dateline&gt;</a:t>
+            </a:r>
+            <a:endParaRPr b="0" lang="en-US" sz="1300" spc="-1" strike="noStrike">
+              <a:latin typeface="Arial"/>
+            </a:endParaRPr>
+          </a:p>
+          <a:p>
+            <a:pPr>
+              <a:lnSpc>
+                <a:spcPct val="100000"/>
+              </a:lnSpc>
+            </a:pPr>
+            <a:r>
+              <a:rPr b="0" lang="en-US" sz="1300" spc="-1" strike="noStrike">
+                <a:solidFill>
+                  <a:srgbClr val="000000"/>
+                </a:solidFill>
+                <a:latin typeface="arial"/>
+                <a:ea typeface="Noto Sans CJK SC"/>
+              </a:rPr>
+              <a:t>  </a:t>
+            </a:r>
+            <a:r>
+              <a:rPr b="0" lang="en-US" sz="1300" spc="-1" strike="noStrike">
+                <a:solidFill>
+                  <a:srgbClr val="000000"/>
+                </a:solidFill>
+                <a:latin typeface="arial"/>
+                <a:ea typeface="Noto Sans CJK SC"/>
+              </a:rPr>
+              <a:t>&lt;/body&gt;</a:t>
+            </a:r>
+            <a:endParaRPr b="0" lang="en-US" sz="1300" spc="-1" strike="noStrike">
+              <a:latin typeface="Arial"/>
+            </a:endParaRPr>
+          </a:p>
+          <a:p>
+            <a:pPr>
+              <a:lnSpc>
+                <a:spcPct val="100000"/>
+              </a:lnSpc>
+            </a:pPr>
+            <a:r>
+              <a:rPr b="0" lang="en-US" sz="1200" spc="-1" strike="noStrike">
+                <a:solidFill>
+                  <a:srgbClr val="000000"/>
+                </a:solidFill>
+                <a:latin typeface="arial"/>
+                <a:ea typeface="Noto Sans CJK SC"/>
+              </a:rPr>
               <a:t>&lt;/</a:t>
             </a:r>
             <a:r>
               <a:rPr b="0" lang="en-US" sz="1300" spc="-1" strike="noStrike">
-                <a:latin typeface="arial"/>
-              </a:rPr>
-              <a:t>issue2&gt;</a:t>
-            </a:r>
-            <a:endParaRPr b="0" lang="en-US" sz="1300" spc="-1" strike="noStrike">
-              <a:latin typeface="arial"/>
-            </a:endParaRPr>
-          </a:p>
-          <a:p>
-            <a:r>
-              <a:rPr b="0" lang="en-US" sz="1300" spc="-1" strike="noStrike">
-                <a:latin typeface="arial"/>
-              </a:rPr>
-              <a:t>      </a:t>
-            </a:r>
-            <a:r>
-              <a:rPr b="0" lang="en-US" sz="1300" spc="-1" strike="noStrike">
-                <a:latin typeface="arial"/>
-              </a:rPr>
-              <a:t>&lt;dateline&gt;</a:t>
-            </a:r>
-            <a:endParaRPr b="0" lang="en-US" sz="1300" spc="-1" strike="noStrike">
-              <a:latin typeface="arial"/>
-            </a:endParaRPr>
-          </a:p>
-          <a:p>
-            <a:r>
-              <a:rPr b="0" lang="en-US" sz="1300" spc="-1" strike="noStrike">
-                <a:latin typeface="arial"/>
-              </a:rPr>
-              <a:t>             </a:t>
-            </a:r>
-            <a:r>
-              <a:rPr b="0" lang="en-US" sz="1300" spc="-1" strike="noStrike">
-                <a:latin typeface="arial"/>
-              </a:rPr>
-              <a:t>&lt;location&gt;Laboratório Clark Kent&lt;/location&gt;</a:t>
-            </a:r>
-            <a:endParaRPr b="0" lang="en-US" sz="1300" spc="-1" strike="noStrike">
-              <a:latin typeface="arial"/>
-            </a:endParaRPr>
-          </a:p>
-          <a:p>
-            <a:r>
-              <a:rPr b="0" lang="en-US" sz="1300" spc="-1" strike="noStrike">
-                <a:latin typeface="arial"/>
-              </a:rPr>
-              <a:t>             </a:t>
-            </a:r>
-            <a:r>
-              <a:rPr b="0" lang="en-US" sz="1300" spc="-1" strike="noStrike">
-                <a:latin typeface="arial"/>
-              </a:rPr>
-              <a:t>&lt;date&gt;2020-12-31 12:00&lt;/date&gt;</a:t>
-            </a:r>
-            <a:endParaRPr b="0" lang="en-US" sz="1300" spc="-1" strike="noStrike">
-              <a:latin typeface="arial"/>
-            </a:endParaRPr>
-          </a:p>
-          <a:p>
-            <a:r>
-              <a:rPr b="0" lang="en-US" sz="1300" spc="-1" strike="noStrike">
-                <a:latin typeface="arial"/>
-              </a:rPr>
-              <a:t>       </a:t>
-            </a:r>
-            <a:r>
-              <a:rPr b="0" lang="en-US" sz="1300" spc="-1" strike="noStrike">
-                <a:latin typeface="arial"/>
-              </a:rPr>
-              <a:t>&lt;/dateline&gt;</a:t>
-            </a:r>
-            <a:endParaRPr b="0" lang="en-US" sz="1300" spc="-1" strike="noStrike">
-              <a:latin typeface="arial"/>
-            </a:endParaRPr>
-          </a:p>
-          <a:p>
-            <a:r>
-              <a:rPr b="0" lang="en-US" sz="1300" spc="-1" strike="noStrike">
-                <a:latin typeface="arial"/>
-              </a:rPr>
-              <a:t>  </a:t>
-            </a:r>
-            <a:r>
-              <a:rPr b="0" lang="en-US" sz="1300" spc="-1" strike="noStrike">
-                <a:latin typeface="arial"/>
-              </a:rPr>
-              <a:t>&lt;/body&gt;</a:t>
-            </a:r>
-            <a:endParaRPr b="0" lang="en-US" sz="1300" spc="-1" strike="noStrike">
-              <a:latin typeface="arial"/>
-            </a:endParaRPr>
-          </a:p>
-          <a:p>
+                <a:solidFill>
+                  <a:srgbClr val="000000"/>
+                </a:solidFill>
+                <a:latin typeface="arial"/>
+                <a:ea typeface="Noto Sans CJK SC"/>
+              </a:rPr>
+              <a:t>mensagem_screta</a:t>
+            </a:r>
             <a:r>
               <a:rPr b="0" lang="en-US" sz="1200" spc="-1" strike="noStrike">
+                <a:solidFill>
+                  <a:srgbClr val="000000"/>
+                </a:solidFill>
                 <a:latin typeface="arial"/>
                 <a:ea typeface="Noto Sans CJK SC"/>
               </a:rPr>
-              <a:t>&lt;/</a:t>
-            </a:r>
-            <a:r>
-              <a:rPr b="0" lang="en-US" sz="1300" spc="-1" strike="noStrike">
-                <a:latin typeface="arial"/>
-              </a:rPr>
-              <a:t>mensagem_screta</a:t>
-            </a:r>
-            <a:r>
-              <a:rPr b="0" lang="en-US" sz="1200" spc="-1" strike="noStrike">
-                <a:latin typeface="arial"/>
-              </a:rPr>
               <a:t>&gt;</a:t>
             </a:r>
             <a:endParaRPr b="0" lang="en-US" sz="1200" spc="-1" strike="noStrike">
-              <a:latin typeface="arial"/>
+              <a:latin typeface="Arial"/>
+            </a:endParaRPr>
+          </a:p>
+        </p:txBody>
+      </p:sp>
+      <p:sp>
+        <p:nvSpPr>
+          <p:cNvPr id="75" name="CustomShape 4"/>
+          <p:cNvSpPr/>
+          <p:nvPr/>
+        </p:nvSpPr>
+        <p:spPr>
+          <a:xfrm>
+            <a:off x="274320" y="814680"/>
+            <a:ext cx="9143640" cy="462600"/>
+          </a:xfrm>
+          <a:prstGeom prst="rect">
+            <a:avLst/>
+          </a:prstGeom>
+          <a:noFill/>
+          <a:ln>
+            <a:noFill/>
+          </a:ln>
+        </p:spPr>
+        <p:style>
+          <a:lnRef idx="0"/>
+          <a:fillRef idx="0"/>
+          <a:effectRef idx="0"/>
+          <a:fontRef idx="minor"/>
+        </p:style>
+        <p:txBody>
+          <a:bodyPr lIns="90000" rIns="90000" tIns="45000" bIns="45000">
+            <a:noAutofit/>
+          </a:bodyPr>
+          <a:p>
+            <a:pPr>
+              <a:lnSpc>
+                <a:spcPct val="100000"/>
+              </a:lnSpc>
+            </a:pPr>
+            <a:r>
+              <a:rPr b="0" lang="en-US" sz="2000" spc="-1" strike="noStrike">
+                <a:solidFill>
+                  <a:srgbClr val="000000"/>
+                </a:solidFill>
+                <a:latin typeface="arial"/>
+                <a:ea typeface="arial"/>
+              </a:rPr>
+              <a:t>Padrão XML: muito utilizado em aplicativos e troca de mensagens na WEB</a:t>
+            </a:r>
+            <a:endParaRPr b="0" lang="en-US" sz="2000" spc="-1" strike="noStrike">
+              <a:latin typeface="Arial"/>
             </a:endParaRPr>
           </a:p>
         </p:txBody>
@@ -2653,14 +2870,14 @@
       </p:grpSpPr>
       <p:sp>
         <p:nvSpPr>
-          <p:cNvPr id="75" name="CustomShape 1"/>
+          <p:cNvPr id="76" name="CustomShape 1"/>
           <p:cNvSpPr/>
           <p:nvPr/>
         </p:nvSpPr>
         <p:spPr>
           <a:xfrm>
             <a:off x="0" y="0"/>
-            <a:ext cx="10076400" cy="727920"/>
+            <a:ext cx="10075680" cy="727200"/>
           </a:xfrm>
           <a:prstGeom prst="rect">
             <a:avLst/>
@@ -2712,10 +2929,11 @@
               </a:lnSpc>
             </a:pPr>
             <a:r>
-              <a:rPr b="0" lang="en-US" sz="1500" spc="-1" strike="noStrike">
-                <a:solidFill>
-                  <a:srgbClr val="355269"/>
-                </a:solidFill>
+              <a:rPr b="0" lang="en-US" sz="1500" spc="-1" strike="noStrike" u="sng">
+                <a:solidFill>
+                  <a:srgbClr val="0000ff"/>
+                </a:solidFill>
+                <a:uFillTx/>
                 <a:latin typeface="arial"/>
                 <a:ea typeface="arial"/>
                 <a:hlinkClick r:id="rId1"/>
@@ -2733,10 +2951,11 @@
               <a:t> ;     </a:t>
             </a:r>
             <a:r>
-              <a:rPr b="0" lang="en-US" sz="1500" spc="-1" strike="noStrike">
-                <a:solidFill>
-                  <a:srgbClr val="355269"/>
-                </a:solidFill>
+              <a:rPr b="0" lang="en-US" sz="1500" spc="-1" strike="noStrike" u="sng">
+                <a:solidFill>
+                  <a:srgbClr val="0000ff"/>
+                </a:solidFill>
+                <a:uFillTx/>
                 <a:latin typeface="arial"/>
                 <a:ea typeface="arial"/>
                 <a:hlinkClick r:id="rId2"/>
@@ -2761,14 +2980,14 @@
       </p:sp>
       <p:sp>
         <p:nvSpPr>
-          <p:cNvPr id="76" name="CustomShape 2"/>
+          <p:cNvPr id="77" name="CustomShape 2"/>
           <p:cNvSpPr/>
           <p:nvPr/>
         </p:nvSpPr>
         <p:spPr>
           <a:xfrm>
             <a:off x="136080" y="809280"/>
-            <a:ext cx="9005760" cy="468720"/>
+            <a:ext cx="9005040" cy="468000"/>
           </a:xfrm>
           <a:prstGeom prst="rect">
             <a:avLst/>
@@ -2832,14 +3051,14 @@
       </p:sp>
       <p:sp>
         <p:nvSpPr>
-          <p:cNvPr id="77" name="TextShape 3"/>
-          <p:cNvSpPr txBox="1"/>
+          <p:cNvPr id="78" name="CustomShape 3"/>
+          <p:cNvSpPr/>
           <p:nvPr/>
         </p:nvSpPr>
         <p:spPr>
           <a:xfrm>
             <a:off x="578880" y="1000080"/>
-            <a:ext cx="9326880" cy="4685760"/>
+            <a:ext cx="9326160" cy="4685040"/>
           </a:xfrm>
           <a:prstGeom prst="rect">
             <a:avLst/>
@@ -2849,406 +3068,668 @@
             <a:noFill/>
           </a:ln>
         </p:spPr>
+        <p:style>
+          <a:lnRef idx="0"/>
+          <a:fillRef idx="0"/>
+          <a:effectRef idx="0"/>
+          <a:fontRef idx="minor"/>
+        </p:style>
         <p:txBody>
           <a:bodyPr lIns="90000" rIns="90000" tIns="45000" bIns="45000">
             <a:noAutofit/>
           </a:bodyPr>
           <a:p>
-            <a:r>
-              <a:rPr b="0" lang="en-US" sz="1400" spc="-1" strike="noStrike">
-                <a:latin typeface="arial"/>
+            <a:pPr>
+              <a:lnSpc>
+                <a:spcPct val="100000"/>
+              </a:lnSpc>
+            </a:pPr>
+            <a:r>
+              <a:rPr b="0" lang="en-US" sz="1400" spc="-1" strike="noStrike">
+                <a:solidFill>
+                  <a:srgbClr val="000000"/>
+                </a:solidFill>
+                <a:latin typeface="arial"/>
+                <a:ea typeface="DejaVu Sans"/>
               </a:rPr>
               <a:t>{</a:t>
             </a:r>
             <a:endParaRPr b="0" lang="en-US" sz="1400" spc="-1" strike="noStrike">
-              <a:latin typeface="arial"/>
-              <a:ea typeface="Courier New"/>
-            </a:endParaRPr>
-          </a:p>
-          <a:p>
-            <a:r>
-              <a:rPr b="0" lang="en-US" sz="1400" spc="-1" strike="noStrike">
-                <a:latin typeface="arial"/>
+              <a:latin typeface="Arial"/>
+            </a:endParaRPr>
+          </a:p>
+          <a:p>
+            <a:pPr>
+              <a:lnSpc>
+                <a:spcPct val="100000"/>
+              </a:lnSpc>
+            </a:pPr>
+            <a:r>
+              <a:rPr b="0" lang="en-US" sz="1400" spc="-1" strike="noStrike">
+                <a:solidFill>
+                  <a:srgbClr val="000000"/>
+                </a:solidFill>
+                <a:latin typeface="arial"/>
+                <a:ea typeface="DejaVu Sans"/>
               </a:rPr>
               <a:t>    </a:t>
             </a:r>
             <a:r>
               <a:rPr b="0" lang="en-US" sz="1400" spc="-1" strike="noStrike">
-                <a:latin typeface="arial"/>
+                <a:solidFill>
+                  <a:srgbClr val="000000"/>
+                </a:solidFill>
+                <a:latin typeface="arial"/>
+                <a:ea typeface="DejaVu Sans"/>
               </a:rPr>
               <a:t>"glossary": {</a:t>
             </a:r>
             <a:endParaRPr b="0" lang="en-US" sz="1400" spc="-1" strike="noStrike">
-              <a:latin typeface="arial"/>
-              <a:ea typeface="Courier New"/>
-            </a:endParaRPr>
-          </a:p>
-          <a:p>
-            <a:r>
-              <a:rPr b="0" lang="en-US" sz="1400" spc="-1" strike="noStrike">
-                <a:latin typeface="arial"/>
+              <a:latin typeface="Arial"/>
+            </a:endParaRPr>
+          </a:p>
+          <a:p>
+            <a:pPr>
+              <a:lnSpc>
+                <a:spcPct val="100000"/>
+              </a:lnSpc>
+            </a:pPr>
+            <a:r>
+              <a:rPr b="0" lang="en-US" sz="1400" spc="-1" strike="noStrike">
+                <a:solidFill>
+                  <a:srgbClr val="000000"/>
+                </a:solidFill>
+                <a:latin typeface="arial"/>
+                <a:ea typeface="DejaVu Sans"/>
               </a:rPr>
               <a:t>        </a:t>
             </a:r>
             <a:r>
               <a:rPr b="0" lang="en-US" sz="1400" spc="-1" strike="noStrike">
-                <a:latin typeface="arial"/>
+                <a:solidFill>
+                  <a:srgbClr val="000000"/>
+                </a:solidFill>
+                <a:latin typeface="arial"/>
+                <a:ea typeface="DejaVu Sans"/>
               </a:rPr>
               <a:t>"title": "example glossary",</a:t>
             </a:r>
             <a:endParaRPr b="0" lang="en-US" sz="1400" spc="-1" strike="noStrike">
-              <a:latin typeface="arial"/>
-              <a:ea typeface="Courier New"/>
-            </a:endParaRPr>
-          </a:p>
-          <a:p>
-            <a:r>
-              <a:rPr b="0" lang="en-US" sz="1400" spc="-1" strike="noStrike">
-                <a:latin typeface="arial"/>
+              <a:latin typeface="Arial"/>
+            </a:endParaRPr>
+          </a:p>
+          <a:p>
+            <a:pPr>
+              <a:lnSpc>
+                <a:spcPct val="100000"/>
+              </a:lnSpc>
+            </a:pPr>
+            <a:r>
+              <a:rPr b="0" lang="en-US" sz="1400" spc="-1" strike="noStrike">
+                <a:solidFill>
+                  <a:srgbClr val="000000"/>
+                </a:solidFill>
+                <a:latin typeface="arial"/>
+                <a:ea typeface="DejaVu Sans"/>
               </a:rPr>
               <a:t>                </a:t>
             </a:r>
             <a:r>
               <a:rPr b="0" lang="en-US" sz="1400" spc="-1" strike="noStrike">
-                <a:latin typeface="arial"/>
+                <a:solidFill>
+                  <a:srgbClr val="000000"/>
+                </a:solidFill>
+                <a:latin typeface="arial"/>
+                <a:ea typeface="DejaVu Sans"/>
               </a:rPr>
               <a:t>"GlossDiv": {</a:t>
             </a:r>
             <a:endParaRPr b="0" lang="en-US" sz="1400" spc="-1" strike="noStrike">
-              <a:latin typeface="arial"/>
-              <a:ea typeface="Courier New"/>
-            </a:endParaRPr>
-          </a:p>
-          <a:p>
-            <a:r>
-              <a:rPr b="0" lang="en-US" sz="1400" spc="-1" strike="noStrike">
-                <a:latin typeface="arial"/>
+              <a:latin typeface="Arial"/>
+            </a:endParaRPr>
+          </a:p>
+          <a:p>
+            <a:pPr>
+              <a:lnSpc>
+                <a:spcPct val="100000"/>
+              </a:lnSpc>
+            </a:pPr>
+            <a:r>
+              <a:rPr b="0" lang="en-US" sz="1400" spc="-1" strike="noStrike">
+                <a:solidFill>
+                  <a:srgbClr val="000000"/>
+                </a:solidFill>
+                <a:latin typeface="arial"/>
+                <a:ea typeface="DejaVu Sans"/>
               </a:rPr>
               <a:t>            </a:t>
             </a:r>
             <a:r>
               <a:rPr b="0" lang="en-US" sz="1400" spc="-1" strike="noStrike">
-                <a:latin typeface="arial"/>
+                <a:solidFill>
+                  <a:srgbClr val="000000"/>
+                </a:solidFill>
+                <a:latin typeface="arial"/>
+                <a:ea typeface="DejaVu Sans"/>
               </a:rPr>
               <a:t>"title": "S",</a:t>
             </a:r>
             <a:endParaRPr b="0" lang="en-US" sz="1400" spc="-1" strike="noStrike">
-              <a:latin typeface="arial"/>
-              <a:ea typeface="Courier New"/>
-            </a:endParaRPr>
-          </a:p>
-          <a:p>
-            <a:r>
-              <a:rPr b="0" lang="en-US" sz="1400" spc="-1" strike="noStrike">
-                <a:latin typeface="arial"/>
+              <a:latin typeface="Arial"/>
+            </a:endParaRPr>
+          </a:p>
+          <a:p>
+            <a:pPr>
+              <a:lnSpc>
+                <a:spcPct val="100000"/>
+              </a:lnSpc>
+            </a:pPr>
+            <a:r>
+              <a:rPr b="0" lang="en-US" sz="1400" spc="-1" strike="noStrike">
+                <a:solidFill>
+                  <a:srgbClr val="000000"/>
+                </a:solidFill>
+                <a:latin typeface="arial"/>
+                <a:ea typeface="DejaVu Sans"/>
               </a:rPr>
               <a:t>                        </a:t>
             </a:r>
             <a:r>
               <a:rPr b="0" lang="en-US" sz="1400" spc="-1" strike="noStrike">
-                <a:latin typeface="arial"/>
+                <a:solidFill>
+                  <a:srgbClr val="000000"/>
+                </a:solidFill>
+                <a:latin typeface="arial"/>
+                <a:ea typeface="DejaVu Sans"/>
               </a:rPr>
               <a:t>"GlossList": {</a:t>
             </a:r>
             <a:endParaRPr b="0" lang="en-US" sz="1400" spc="-1" strike="noStrike">
-              <a:latin typeface="arial"/>
-              <a:ea typeface="Courier New"/>
-            </a:endParaRPr>
-          </a:p>
-          <a:p>
-            <a:r>
-              <a:rPr b="0" lang="en-US" sz="1400" spc="-1" strike="noStrike">
-                <a:latin typeface="arial"/>
+              <a:latin typeface="Arial"/>
+            </a:endParaRPr>
+          </a:p>
+          <a:p>
+            <a:pPr>
+              <a:lnSpc>
+                <a:spcPct val="100000"/>
+              </a:lnSpc>
+            </a:pPr>
+            <a:r>
+              <a:rPr b="0" lang="en-US" sz="1400" spc="-1" strike="noStrike">
+                <a:solidFill>
+                  <a:srgbClr val="000000"/>
+                </a:solidFill>
+                <a:latin typeface="arial"/>
+                <a:ea typeface="DejaVu Sans"/>
               </a:rPr>
               <a:t>                </a:t>
             </a:r>
             <a:r>
               <a:rPr b="0" lang="en-US" sz="1400" spc="-1" strike="noStrike">
-                <a:latin typeface="arial"/>
+                <a:solidFill>
+                  <a:srgbClr val="000000"/>
+                </a:solidFill>
+                <a:latin typeface="arial"/>
+                <a:ea typeface="DejaVu Sans"/>
               </a:rPr>
               <a:t>"GlossEntry": {</a:t>
             </a:r>
             <a:endParaRPr b="0" lang="en-US" sz="1400" spc="-1" strike="noStrike">
-              <a:latin typeface="arial"/>
-              <a:ea typeface="Courier New"/>
-            </a:endParaRPr>
-          </a:p>
-          <a:p>
-            <a:r>
-              <a:rPr b="0" lang="en-US" sz="1400" spc="-1" strike="noStrike">
-                <a:latin typeface="arial"/>
+              <a:latin typeface="Arial"/>
+            </a:endParaRPr>
+          </a:p>
+          <a:p>
+            <a:pPr>
+              <a:lnSpc>
+                <a:spcPct val="100000"/>
+              </a:lnSpc>
+            </a:pPr>
+            <a:r>
+              <a:rPr b="0" lang="en-US" sz="1400" spc="-1" strike="noStrike">
+                <a:solidFill>
+                  <a:srgbClr val="000000"/>
+                </a:solidFill>
+                <a:latin typeface="arial"/>
+                <a:ea typeface="DejaVu Sans"/>
               </a:rPr>
               <a:t>                    </a:t>
             </a:r>
             <a:r>
               <a:rPr b="0" lang="en-US" sz="1400" spc="-1" strike="noStrike">
-                <a:latin typeface="arial"/>
+                <a:solidFill>
+                  <a:srgbClr val="000000"/>
+                </a:solidFill>
+                <a:latin typeface="arial"/>
+                <a:ea typeface="DejaVu Sans"/>
               </a:rPr>
               <a:t>"ID": "SGML",</a:t>
             </a:r>
             <a:endParaRPr b="0" lang="en-US" sz="1400" spc="-1" strike="noStrike">
-              <a:latin typeface="arial"/>
-              <a:ea typeface="Courier New"/>
-            </a:endParaRPr>
-          </a:p>
-          <a:p>
-            <a:r>
-              <a:rPr b="0" lang="en-US" sz="1400" spc="-1" strike="noStrike">
-                <a:latin typeface="arial"/>
+              <a:latin typeface="Arial"/>
+            </a:endParaRPr>
+          </a:p>
+          <a:p>
+            <a:pPr>
+              <a:lnSpc>
+                <a:spcPct val="100000"/>
+              </a:lnSpc>
+            </a:pPr>
+            <a:r>
+              <a:rPr b="0" lang="en-US" sz="1400" spc="-1" strike="noStrike">
+                <a:solidFill>
+                  <a:srgbClr val="000000"/>
+                </a:solidFill>
+                <a:latin typeface="arial"/>
+                <a:ea typeface="DejaVu Sans"/>
               </a:rPr>
               <a:t>                                        </a:t>
             </a:r>
             <a:r>
               <a:rPr b="0" lang="en-US" sz="1400" spc="-1" strike="noStrike">
-                <a:latin typeface="arial"/>
+                <a:solidFill>
+                  <a:srgbClr val="000000"/>
+                </a:solidFill>
+                <a:latin typeface="arial"/>
+                <a:ea typeface="DejaVu Sans"/>
               </a:rPr>
               <a:t>"SortAs": "SGML",</a:t>
             </a:r>
             <a:endParaRPr b="0" lang="en-US" sz="1400" spc="-1" strike="noStrike">
-              <a:latin typeface="arial"/>
-              <a:ea typeface="Courier New"/>
-            </a:endParaRPr>
-          </a:p>
-          <a:p>
-            <a:r>
-              <a:rPr b="0" lang="en-US" sz="1400" spc="-1" strike="noStrike">
-                <a:latin typeface="arial"/>
+              <a:latin typeface="Arial"/>
+            </a:endParaRPr>
+          </a:p>
+          <a:p>
+            <a:pPr>
+              <a:lnSpc>
+                <a:spcPct val="100000"/>
+              </a:lnSpc>
+            </a:pPr>
+            <a:r>
+              <a:rPr b="0" lang="en-US" sz="1400" spc="-1" strike="noStrike">
+                <a:solidFill>
+                  <a:srgbClr val="000000"/>
+                </a:solidFill>
+                <a:latin typeface="arial"/>
+                <a:ea typeface="DejaVu Sans"/>
               </a:rPr>
               <a:t>                                        </a:t>
             </a:r>
             <a:r>
               <a:rPr b="0" lang="en-US" sz="1400" spc="-1" strike="noStrike">
-                <a:latin typeface="arial"/>
+                <a:solidFill>
+                  <a:srgbClr val="000000"/>
+                </a:solidFill>
+                <a:latin typeface="arial"/>
+                <a:ea typeface="DejaVu Sans"/>
               </a:rPr>
               <a:t>"GlossTerm": "Standard Generalized Markup Language",</a:t>
             </a:r>
             <a:endParaRPr b="0" lang="en-US" sz="1400" spc="-1" strike="noStrike">
-              <a:latin typeface="arial"/>
-              <a:ea typeface="Courier New"/>
-            </a:endParaRPr>
-          </a:p>
-          <a:p>
-            <a:r>
-              <a:rPr b="0" lang="en-US" sz="1400" spc="-1" strike="noStrike">
-                <a:latin typeface="arial"/>
+              <a:latin typeface="Arial"/>
+            </a:endParaRPr>
+          </a:p>
+          <a:p>
+            <a:pPr>
+              <a:lnSpc>
+                <a:spcPct val="100000"/>
+              </a:lnSpc>
+            </a:pPr>
+            <a:r>
+              <a:rPr b="0" lang="en-US" sz="1400" spc="-1" strike="noStrike">
+                <a:solidFill>
+                  <a:srgbClr val="000000"/>
+                </a:solidFill>
+                <a:latin typeface="arial"/>
+                <a:ea typeface="DejaVu Sans"/>
               </a:rPr>
               <a:t>                                        </a:t>
             </a:r>
             <a:r>
               <a:rPr b="0" lang="en-US" sz="1400" spc="-1" strike="noStrike">
-                <a:latin typeface="arial"/>
+                <a:solidFill>
+                  <a:srgbClr val="000000"/>
+                </a:solidFill>
+                <a:latin typeface="arial"/>
+                <a:ea typeface="DejaVu Sans"/>
               </a:rPr>
               <a:t>"Acronym": "SGML",</a:t>
             </a:r>
             <a:endParaRPr b="0" lang="en-US" sz="1400" spc="-1" strike="noStrike">
-              <a:latin typeface="arial"/>
-              <a:ea typeface="Courier New"/>
-            </a:endParaRPr>
-          </a:p>
-          <a:p>
-            <a:r>
-              <a:rPr b="0" lang="en-US" sz="1400" spc="-1" strike="noStrike">
-                <a:latin typeface="arial"/>
+              <a:latin typeface="Arial"/>
+            </a:endParaRPr>
+          </a:p>
+          <a:p>
+            <a:pPr>
+              <a:lnSpc>
+                <a:spcPct val="100000"/>
+              </a:lnSpc>
+            </a:pPr>
+            <a:r>
+              <a:rPr b="0" lang="en-US" sz="1400" spc="-1" strike="noStrike">
+                <a:solidFill>
+                  <a:srgbClr val="000000"/>
+                </a:solidFill>
+                <a:latin typeface="arial"/>
+                <a:ea typeface="DejaVu Sans"/>
               </a:rPr>
               <a:t>                                        </a:t>
             </a:r>
             <a:r>
               <a:rPr b="0" lang="en-US" sz="1400" spc="-1" strike="noStrike">
-                <a:latin typeface="arial"/>
+                <a:solidFill>
+                  <a:srgbClr val="000000"/>
+                </a:solidFill>
+                <a:latin typeface="arial"/>
+                <a:ea typeface="DejaVu Sans"/>
               </a:rPr>
               <a:t>"Abbrev": "ISO 8879:1986",</a:t>
             </a:r>
             <a:endParaRPr b="0" lang="en-US" sz="1400" spc="-1" strike="noStrike">
-              <a:latin typeface="arial"/>
-              <a:ea typeface="Courier New"/>
-            </a:endParaRPr>
-          </a:p>
-          <a:p>
-            <a:r>
-              <a:rPr b="0" lang="en-US" sz="1400" spc="-1" strike="noStrike">
-                <a:latin typeface="arial"/>
+              <a:latin typeface="Arial"/>
+            </a:endParaRPr>
+          </a:p>
+          <a:p>
+            <a:pPr>
+              <a:lnSpc>
+                <a:spcPct val="100000"/>
+              </a:lnSpc>
+            </a:pPr>
+            <a:r>
+              <a:rPr b="0" lang="en-US" sz="1400" spc="-1" strike="noStrike">
+                <a:solidFill>
+                  <a:srgbClr val="000000"/>
+                </a:solidFill>
+                <a:latin typeface="arial"/>
+                <a:ea typeface="DejaVu Sans"/>
               </a:rPr>
               <a:t>                                        </a:t>
             </a:r>
             <a:r>
               <a:rPr b="0" lang="en-US" sz="1400" spc="-1" strike="noStrike">
-                <a:latin typeface="arial"/>
+                <a:solidFill>
+                  <a:srgbClr val="000000"/>
+                </a:solidFill>
+                <a:latin typeface="arial"/>
+                <a:ea typeface="DejaVu Sans"/>
               </a:rPr>
               <a:t>"GlossDef": {</a:t>
             </a:r>
             <a:endParaRPr b="0" lang="en-US" sz="1400" spc="-1" strike="noStrike">
-              <a:latin typeface="arial"/>
-              <a:ea typeface="Courier New"/>
-            </a:endParaRPr>
-          </a:p>
-          <a:p>
-            <a:r>
-              <a:rPr b="0" lang="en-US" sz="1400" spc="-1" strike="noStrike">
-                <a:latin typeface="arial"/>
+              <a:latin typeface="Arial"/>
+            </a:endParaRPr>
+          </a:p>
+          <a:p>
+            <a:pPr>
+              <a:lnSpc>
+                <a:spcPct val="100000"/>
+              </a:lnSpc>
+            </a:pPr>
+            <a:r>
+              <a:rPr b="0" lang="en-US" sz="1400" spc="-1" strike="noStrike">
+                <a:solidFill>
+                  <a:srgbClr val="000000"/>
+                </a:solidFill>
+                <a:latin typeface="arial"/>
+                <a:ea typeface="DejaVu Sans"/>
               </a:rPr>
               <a:t>                        </a:t>
             </a:r>
             <a:r>
               <a:rPr b="0" lang="en-US" sz="1400" spc="-1" strike="noStrike">
-                <a:latin typeface="arial"/>
+                <a:solidFill>
+                  <a:srgbClr val="000000"/>
+                </a:solidFill>
+                <a:latin typeface="arial"/>
+                <a:ea typeface="DejaVu Sans"/>
               </a:rPr>
               <a:t>"para": "A meta-markup language, used to create markup languages such as DocBook.",</a:t>
             </a:r>
             <a:endParaRPr b="0" lang="en-US" sz="1400" spc="-1" strike="noStrike">
-              <a:latin typeface="arial"/>
-              <a:ea typeface="Courier New"/>
-            </a:endParaRPr>
-          </a:p>
-          <a:p>
-            <a:r>
-              <a:rPr b="0" lang="en-US" sz="1400" spc="-1" strike="noStrike">
-                <a:latin typeface="arial"/>
+              <a:latin typeface="Arial"/>
+            </a:endParaRPr>
+          </a:p>
+          <a:p>
+            <a:pPr>
+              <a:lnSpc>
+                <a:spcPct val="100000"/>
+              </a:lnSpc>
+            </a:pPr>
+            <a:r>
+              <a:rPr b="0" lang="en-US" sz="1400" spc="-1" strike="noStrike">
+                <a:solidFill>
+                  <a:srgbClr val="000000"/>
+                </a:solidFill>
+                <a:latin typeface="arial"/>
+                <a:ea typeface="DejaVu Sans"/>
               </a:rPr>
               <a:t>                                                </a:t>
             </a:r>
             <a:r>
               <a:rPr b="0" lang="en-US" sz="1400" spc="-1" strike="noStrike">
-                <a:latin typeface="arial"/>
+                <a:solidFill>
+                  <a:srgbClr val="000000"/>
+                </a:solidFill>
+                <a:latin typeface="arial"/>
+                <a:ea typeface="DejaVu Sans"/>
               </a:rPr>
               <a:t>"GlossSeeAlso": ["GML", "XML"]</a:t>
             </a:r>
             <a:endParaRPr b="0" lang="en-US" sz="1400" spc="-1" strike="noStrike">
-              <a:latin typeface="arial"/>
-              <a:ea typeface="Courier New"/>
-            </a:endParaRPr>
-          </a:p>
-          <a:p>
-            <a:r>
-              <a:rPr b="0" lang="en-US" sz="1400" spc="-1" strike="noStrike">
-                <a:latin typeface="arial"/>
+              <a:latin typeface="Arial"/>
+            </a:endParaRPr>
+          </a:p>
+          <a:p>
+            <a:pPr>
+              <a:lnSpc>
+                <a:spcPct val="100000"/>
+              </a:lnSpc>
+            </a:pPr>
+            <a:r>
+              <a:rPr b="0" lang="en-US" sz="1400" spc="-1" strike="noStrike">
+                <a:solidFill>
+                  <a:srgbClr val="000000"/>
+                </a:solidFill>
+                <a:latin typeface="arial"/>
+                <a:ea typeface="DejaVu Sans"/>
               </a:rPr>
               <a:t>                    </a:t>
             </a:r>
             <a:r>
               <a:rPr b="0" lang="en-US" sz="1400" spc="-1" strike="noStrike">
-                <a:latin typeface="arial"/>
+                <a:solidFill>
+                  <a:srgbClr val="000000"/>
+                </a:solidFill>
+                <a:latin typeface="arial"/>
+                <a:ea typeface="DejaVu Sans"/>
               </a:rPr>
               <a:t>},</a:t>
             </a:r>
             <a:endParaRPr b="0" lang="en-US" sz="1400" spc="-1" strike="noStrike">
-              <a:latin typeface="arial"/>
-              <a:ea typeface="Courier New"/>
-            </a:endParaRPr>
-          </a:p>
-          <a:p>
-            <a:r>
-              <a:rPr b="0" lang="en-US" sz="1400" spc="-1" strike="noStrike">
-                <a:latin typeface="arial"/>
+              <a:latin typeface="Arial"/>
+            </a:endParaRPr>
+          </a:p>
+          <a:p>
+            <a:pPr>
+              <a:lnSpc>
+                <a:spcPct val="100000"/>
+              </a:lnSpc>
+            </a:pPr>
+            <a:r>
+              <a:rPr b="0" lang="en-US" sz="1400" spc="-1" strike="noStrike">
+                <a:solidFill>
+                  <a:srgbClr val="000000"/>
+                </a:solidFill>
+                <a:latin typeface="arial"/>
+                <a:ea typeface="DejaVu Sans"/>
               </a:rPr>
               <a:t>                                        </a:t>
             </a:r>
             <a:r>
               <a:rPr b="0" lang="en-US" sz="1400" spc="-1" strike="noStrike">
-                <a:latin typeface="arial"/>
+                <a:solidFill>
+                  <a:srgbClr val="000000"/>
+                </a:solidFill>
+                <a:latin typeface="arial"/>
+                <a:ea typeface="DejaVu Sans"/>
               </a:rPr>
               <a:t>"GlossSee": "markup"</a:t>
             </a:r>
             <a:endParaRPr b="0" lang="en-US" sz="1400" spc="-1" strike="noStrike">
-              <a:latin typeface="arial"/>
-              <a:ea typeface="Courier New"/>
-            </a:endParaRPr>
-          </a:p>
-          <a:p>
-            <a:r>
-              <a:rPr b="0" lang="en-US" sz="1400" spc="-1" strike="noStrike">
-                <a:latin typeface="arial"/>
+              <a:latin typeface="Arial"/>
+            </a:endParaRPr>
+          </a:p>
+          <a:p>
+            <a:pPr>
+              <a:lnSpc>
+                <a:spcPct val="100000"/>
+              </a:lnSpc>
+            </a:pPr>
+            <a:r>
+              <a:rPr b="0" lang="en-US" sz="1400" spc="-1" strike="noStrike">
+                <a:solidFill>
+                  <a:srgbClr val="000000"/>
+                </a:solidFill>
+                <a:latin typeface="arial"/>
+                <a:ea typeface="DejaVu Sans"/>
               </a:rPr>
               <a:t>                </a:t>
             </a:r>
             <a:r>
               <a:rPr b="0" lang="en-US" sz="1400" spc="-1" strike="noStrike">
-                <a:latin typeface="arial"/>
+                <a:solidFill>
+                  <a:srgbClr val="000000"/>
+                </a:solidFill>
+                <a:latin typeface="arial"/>
+                <a:ea typeface="DejaVu Sans"/>
               </a:rPr>
               <a:t>}</a:t>
             </a:r>
             <a:endParaRPr b="0" lang="en-US" sz="1400" spc="-1" strike="noStrike">
-              <a:latin typeface="arial"/>
-              <a:ea typeface="Courier New"/>
-            </a:endParaRPr>
-          </a:p>
-          <a:p>
-            <a:r>
-              <a:rPr b="0" lang="en-US" sz="1400" spc="-1" strike="noStrike">
-                <a:latin typeface="arial"/>
+              <a:latin typeface="Arial"/>
+            </a:endParaRPr>
+          </a:p>
+          <a:p>
+            <a:pPr>
+              <a:lnSpc>
+                <a:spcPct val="100000"/>
+              </a:lnSpc>
+            </a:pPr>
+            <a:r>
+              <a:rPr b="0" lang="en-US" sz="1400" spc="-1" strike="noStrike">
+                <a:solidFill>
+                  <a:srgbClr val="000000"/>
+                </a:solidFill>
+                <a:latin typeface="arial"/>
+                <a:ea typeface="DejaVu Sans"/>
               </a:rPr>
               <a:t>            </a:t>
             </a:r>
             <a:r>
               <a:rPr b="0" lang="en-US" sz="1400" spc="-1" strike="noStrike">
-                <a:latin typeface="arial"/>
+                <a:solidFill>
+                  <a:srgbClr val="000000"/>
+                </a:solidFill>
+                <a:latin typeface="arial"/>
+                <a:ea typeface="DejaVu Sans"/>
               </a:rPr>
               <a:t>}</a:t>
             </a:r>
             <a:endParaRPr b="0" lang="en-US" sz="1400" spc="-1" strike="noStrike">
-              <a:latin typeface="arial"/>
-              <a:ea typeface="Courier New"/>
-            </a:endParaRPr>
-          </a:p>
-          <a:p>
-            <a:r>
-              <a:rPr b="0" lang="en-US" sz="1400" spc="-1" strike="noStrike">
-                <a:latin typeface="arial"/>
+              <a:latin typeface="Arial"/>
+            </a:endParaRPr>
+          </a:p>
+          <a:p>
+            <a:pPr>
+              <a:lnSpc>
+                <a:spcPct val="100000"/>
+              </a:lnSpc>
+            </a:pPr>
+            <a:r>
+              <a:rPr b="0" lang="en-US" sz="1400" spc="-1" strike="noStrike">
+                <a:solidFill>
+                  <a:srgbClr val="000000"/>
+                </a:solidFill>
+                <a:latin typeface="arial"/>
+                <a:ea typeface="DejaVu Sans"/>
               </a:rPr>
               <a:t>        </a:t>
             </a:r>
             <a:r>
               <a:rPr b="0" lang="en-US" sz="1400" spc="-1" strike="noStrike">
-                <a:latin typeface="arial"/>
+                <a:solidFill>
+                  <a:srgbClr val="000000"/>
+                </a:solidFill>
+                <a:latin typeface="arial"/>
+                <a:ea typeface="DejaVu Sans"/>
               </a:rPr>
               <a:t>}</a:t>
             </a:r>
             <a:endParaRPr b="0" lang="en-US" sz="1400" spc="-1" strike="noStrike">
-              <a:latin typeface="arial"/>
-              <a:ea typeface="Courier New"/>
-            </a:endParaRPr>
-          </a:p>
-          <a:p>
-            <a:r>
-              <a:rPr b="0" lang="en-US" sz="1400" spc="-1" strike="noStrike">
-                <a:latin typeface="arial"/>
+              <a:latin typeface="Arial"/>
+            </a:endParaRPr>
+          </a:p>
+          <a:p>
+            <a:pPr>
+              <a:lnSpc>
+                <a:spcPct val="100000"/>
+              </a:lnSpc>
+            </a:pPr>
+            <a:r>
+              <a:rPr b="0" lang="en-US" sz="1400" spc="-1" strike="noStrike">
+                <a:solidFill>
+                  <a:srgbClr val="000000"/>
+                </a:solidFill>
+                <a:latin typeface="arial"/>
+                <a:ea typeface="DejaVu Sans"/>
               </a:rPr>
               <a:t>    </a:t>
             </a:r>
             <a:r>
               <a:rPr b="0" lang="en-US" sz="1400" spc="-1" strike="noStrike">
-                <a:latin typeface="arial"/>
+                <a:solidFill>
+                  <a:srgbClr val="000000"/>
+                </a:solidFill>
+                <a:latin typeface="arial"/>
+                <a:ea typeface="DejaVu Sans"/>
               </a:rPr>
               <a:t>}</a:t>
             </a:r>
             <a:endParaRPr b="0" lang="en-US" sz="1400" spc="-1" strike="noStrike">
-              <a:latin typeface="arial"/>
-              <a:ea typeface="Courier New"/>
-            </a:endParaRPr>
-          </a:p>
-          <a:p>
-            <a:r>
-              <a:rPr b="0" lang="en-US" sz="1400" spc="-1" strike="noStrike">
-                <a:latin typeface="arial"/>
+              <a:latin typeface="Arial"/>
+            </a:endParaRPr>
+          </a:p>
+          <a:p>
+            <a:pPr>
+              <a:lnSpc>
+                <a:spcPct val="100000"/>
+              </a:lnSpc>
+            </a:pPr>
+            <a:r>
+              <a:rPr b="0" lang="en-US" sz="1400" spc="-1" strike="noStrike">
+                <a:solidFill>
+                  <a:srgbClr val="000000"/>
+                </a:solidFill>
+                <a:latin typeface="arial"/>
+                <a:ea typeface="DejaVu Sans"/>
               </a:rPr>
               <a:t>}</a:t>
             </a:r>
             <a:endParaRPr b="0" lang="en-US" sz="1400" spc="-1" strike="noStrike">
-              <a:latin typeface="arial"/>
-              <a:ea typeface="Courier New"/>
+              <a:latin typeface="Arial"/>
             </a:endParaRPr>
           </a:p>
         </p:txBody>
       </p:sp>
       <p:sp>
         <p:nvSpPr>
-          <p:cNvPr id="78" name="TextShape 4"/>
-          <p:cNvSpPr txBox="1"/>
+          <p:cNvPr id="79" name="CustomShape 4"/>
+          <p:cNvSpPr/>
           <p:nvPr/>
         </p:nvSpPr>
         <p:spPr>
           <a:xfrm>
             <a:off x="274320" y="701280"/>
-            <a:ext cx="9601200" cy="373680"/>
+            <a:ext cx="9600480" cy="372960"/>
           </a:xfrm>
           <a:prstGeom prst="rect">
             <a:avLst/>
@@ -3258,11 +3739,22 @@
             <a:noFill/>
           </a:ln>
         </p:spPr>
+        <p:style>
+          <a:lnRef idx="0"/>
+          <a:fillRef idx="0"/>
+          <a:effectRef idx="0"/>
+          <a:fontRef idx="minor"/>
+        </p:style>
         <p:txBody>
           <a:bodyPr lIns="90000" rIns="90000" tIns="45000" bIns="45000">
             <a:noAutofit/>
           </a:bodyPr>
           <a:p>
+            <a:pPr>
+              <a:lnSpc>
+                <a:spcPct val="100000"/>
+              </a:lnSpc>
+            </a:pPr>
             <a:r>
               <a:rPr b="0" lang="en-US" sz="2000" spc="-1" strike="noStrike">
                 <a:solidFill>
@@ -3311,14 +3803,14 @@
       </p:grpSpPr>
       <p:sp>
         <p:nvSpPr>
-          <p:cNvPr id="79" name="CustomShape 1"/>
+          <p:cNvPr id="80" name="CustomShape 1"/>
           <p:cNvSpPr/>
           <p:nvPr/>
         </p:nvSpPr>
         <p:spPr>
           <a:xfrm>
             <a:off x="0" y="0"/>
-            <a:ext cx="10076400" cy="727920"/>
+            <a:ext cx="10075680" cy="727200"/>
           </a:xfrm>
           <a:prstGeom prst="rect">
             <a:avLst/>
@@ -3370,10 +3862,11 @@
               </a:lnSpc>
             </a:pPr>
             <a:r>
-              <a:rPr b="0" lang="en-US" sz="1600" spc="-1" strike="noStrike">
-                <a:solidFill>
-                  <a:srgbClr val="355269"/>
-                </a:solidFill>
+              <a:rPr b="0" lang="en-US" sz="1600" spc="-1" strike="noStrike" u="sng">
+                <a:solidFill>
+                  <a:srgbClr val="0000ff"/>
+                </a:solidFill>
+                <a:uFillTx/>
                 <a:latin typeface="arial"/>
                 <a:ea typeface="arial"/>
                 <a:hlinkClick r:id="rId1"/>
@@ -3398,14 +3891,14 @@
       </p:sp>
       <p:sp>
         <p:nvSpPr>
-          <p:cNvPr id="80" name="CustomShape 2"/>
+          <p:cNvPr id="81" name="CustomShape 2"/>
           <p:cNvSpPr/>
           <p:nvPr/>
         </p:nvSpPr>
         <p:spPr>
           <a:xfrm>
             <a:off x="136080" y="809280"/>
-            <a:ext cx="9005760" cy="468720"/>
+            <a:ext cx="9005040" cy="468000"/>
           </a:xfrm>
           <a:prstGeom prst="rect">
             <a:avLst/>
@@ -3469,14 +3962,14 @@
       </p:sp>
       <p:sp>
         <p:nvSpPr>
-          <p:cNvPr id="81" name="CustomShape 3"/>
+          <p:cNvPr id="82" name="CustomShape 3"/>
           <p:cNvSpPr/>
           <p:nvPr/>
         </p:nvSpPr>
         <p:spPr>
           <a:xfrm>
             <a:off x="136080" y="839160"/>
-            <a:ext cx="9942480" cy="4700520"/>
+            <a:ext cx="9941760" cy="4699800"/>
           </a:xfrm>
           <a:prstGeom prst="rect">
             <a:avLst/>
@@ -3510,7 +4003,7 @@
                 <a:latin typeface="arial"/>
                 <a:ea typeface="arial"/>
               </a:rPr>
-              <a:t>Padrão RDF: adotado para WEB semantica</a:t>
+              <a:t>Padrão RDF: adotado para WEB semântica</a:t>
             </a:r>
             <a:endParaRPr b="0" lang="en-US" sz="2000" spc="-1" strike="noStrike">
               <a:latin typeface="Arial"/>
@@ -3527,7 +4020,7 @@
             </a:endParaRPr>
           </a:p>
           <a:p>
-            <a:pPr marL="457200" indent="-366480">
+            <a:pPr marL="457200" indent="-365760">
               <a:lnSpc>
                 <a:spcPct val="115000"/>
               </a:lnSpc>
@@ -3555,7 +4048,7 @@
             </a:endParaRPr>
           </a:p>
           <a:p>
-            <a:pPr marL="457200" indent="-366480">
+            <a:pPr marL="457200" indent="-365760">
               <a:lnSpc>
                 <a:spcPct val="115000"/>
               </a:lnSpc>
@@ -3583,7 +4076,7 @@
             </a:endParaRPr>
           </a:p>
           <a:p>
-            <a:pPr marL="457200" indent="-366480">
+            <a:pPr marL="457200" indent="-365760">
               <a:lnSpc>
                 <a:spcPct val="115000"/>
               </a:lnSpc>
@@ -3611,7 +4104,7 @@
             </a:endParaRPr>
           </a:p>
           <a:p>
-            <a:pPr marL="347400">
+            <a:pPr marL="347400" indent="-365760">
               <a:lnSpc>
                 <a:spcPct val="115000"/>
               </a:lnSpc>
@@ -3639,7 +4132,7 @@
             </a:endParaRPr>
           </a:p>
           <a:p>
-            <a:pPr marL="347400">
+            <a:pPr marL="347400" indent="-365760">
               <a:lnSpc>
                 <a:spcPct val="115000"/>
               </a:lnSpc>
@@ -3667,7 +4160,7 @@
             </a:endParaRPr>
           </a:p>
           <a:p>
-            <a:pPr marL="457200" indent="-366480">
+            <a:pPr marL="457200" indent="-365760">
               <a:lnSpc>
                 <a:spcPct val="115000"/>
               </a:lnSpc>
@@ -3695,7 +4188,7 @@
             </a:endParaRPr>
           </a:p>
           <a:p>
-            <a:pPr marL="329040">
+            <a:pPr marL="128160" indent="-365760">
               <a:lnSpc>
                 <a:spcPct val="115000"/>
               </a:lnSpc>
@@ -3716,14 +4209,14 @@
                 <a:latin typeface="arial"/>
                 <a:ea typeface="arial"/>
               </a:rPr>
-              <a:t>Consegue definir semântica:</a:t>
+              <a:t>Com este padrão consegue-se definir “semântica”, p.ex.:</a:t>
             </a:r>
             <a:endParaRPr b="0" lang="en-US" sz="2200" spc="-1" strike="noStrike">
               <a:latin typeface="Arial"/>
             </a:endParaRPr>
           </a:p>
           <a:p>
-            <a:pPr marL="786240">
+            <a:pPr marL="786240" indent="-365760">
               <a:lnSpc>
                 <a:spcPct val="115000"/>
               </a:lnSpc>
@@ -3751,7 +4244,7 @@
             </a:endParaRPr>
           </a:p>
           <a:p>
-            <a:pPr marL="786240">
+            <a:pPr marL="786240" indent="-365760">
               <a:lnSpc>
                 <a:spcPct val="115000"/>
               </a:lnSpc>
@@ -3779,7 +4272,7 @@
             </a:endParaRPr>
           </a:p>
           <a:p>
-            <a:pPr marL="786240">
+            <a:pPr marL="786240" indent="-365760">
               <a:lnSpc>
                 <a:spcPct val="115000"/>
               </a:lnSpc>
@@ -3840,14 +4333,14 @@
       </p:grpSpPr>
       <p:sp>
         <p:nvSpPr>
-          <p:cNvPr id="82" name="CustomShape 1"/>
+          <p:cNvPr id="83" name="CustomShape 1"/>
           <p:cNvSpPr/>
           <p:nvPr/>
         </p:nvSpPr>
         <p:spPr>
           <a:xfrm>
             <a:off x="136080" y="809280"/>
-            <a:ext cx="9005760" cy="468720"/>
+            <a:ext cx="9005040" cy="468000"/>
           </a:xfrm>
           <a:prstGeom prst="rect">
             <a:avLst/>
@@ -3911,14 +4404,14 @@
       </p:sp>
       <p:sp>
         <p:nvSpPr>
-          <p:cNvPr id="83" name="CustomShape 2"/>
+          <p:cNvPr id="84" name="CustomShape 2"/>
           <p:cNvSpPr/>
           <p:nvPr/>
         </p:nvSpPr>
         <p:spPr>
           <a:xfrm>
             <a:off x="0" y="0"/>
-            <a:ext cx="10076400" cy="727920"/>
+            <a:ext cx="10075680" cy="727200"/>
           </a:xfrm>
           <a:prstGeom prst="rect">
             <a:avLst/>
@@ -3970,10 +4463,11 @@
               </a:lnSpc>
             </a:pPr>
             <a:r>
-              <a:rPr b="0" lang="en-US" sz="1600" spc="-1" strike="noStrike">
-                <a:solidFill>
-                  <a:srgbClr val="355269"/>
-                </a:solidFill>
+              <a:rPr b="0" lang="en-US" sz="1600" spc="-1" strike="noStrike" u="sng">
+                <a:solidFill>
+                  <a:srgbClr val="0000ff"/>
+                </a:solidFill>
+                <a:uFillTx/>
                 <a:latin typeface="arial"/>
                 <a:ea typeface="arial"/>
                 <a:hlinkClick r:id="rId1"/>
@@ -3998,14 +4492,14 @@
       </p:sp>
       <p:sp>
         <p:nvSpPr>
-          <p:cNvPr id="84" name="TextShape 3"/>
-          <p:cNvSpPr txBox="1"/>
+          <p:cNvPr id="85" name="CustomShape 3"/>
+          <p:cNvSpPr/>
           <p:nvPr/>
         </p:nvSpPr>
         <p:spPr>
           <a:xfrm>
-            <a:off x="1409040" y="737280"/>
-            <a:ext cx="7460640" cy="4959000"/>
+            <a:off x="1553040" y="1169280"/>
+            <a:ext cx="7459920" cy="4501080"/>
           </a:xfrm>
           <a:prstGeom prst="rect">
             <a:avLst/>
@@ -4015,320 +4509,625 @@
             <a:noFill/>
           </a:ln>
         </p:spPr>
+        <p:style>
+          <a:lnRef idx="0"/>
+          <a:fillRef idx="0"/>
+          <a:effectRef idx="0"/>
+          <a:fontRef idx="minor"/>
+        </p:style>
         <p:txBody>
           <a:bodyPr lIns="90000" rIns="90000" tIns="45000" bIns="45000">
             <a:noAutofit/>
           </a:bodyPr>
           <a:p>
+            <a:pPr>
+              <a:lnSpc>
+                <a:spcPct val="100000"/>
+              </a:lnSpc>
+            </a:pPr>
             <a:r>
               <a:rPr b="0" lang="en-US" sz="1200" spc="-1" strike="noStrike">
-                <a:latin typeface="arial"/>
+                <a:solidFill>
+                  <a:srgbClr val="000000"/>
+                </a:solidFill>
+                <a:latin typeface="arial"/>
+                <a:ea typeface="DejaVu Sans"/>
               </a:rPr>
               <a:t>&lt;?xml version="1.0"?&gt;</a:t>
             </a:r>
             <a:endParaRPr b="0" lang="en-US" sz="1200" spc="-1" strike="noStrike">
-              <a:latin typeface="arial"/>
-            </a:endParaRPr>
-          </a:p>
-          <a:p>
+              <a:latin typeface="Arial"/>
+            </a:endParaRPr>
+          </a:p>
+          <a:p>
+            <a:pPr>
+              <a:lnSpc>
+                <a:spcPct val="100000"/>
+              </a:lnSpc>
+            </a:pPr>
             <a:endParaRPr b="0" lang="en-US" sz="1200" spc="-1" strike="noStrike">
-              <a:latin typeface="arial"/>
-            </a:endParaRPr>
-          </a:p>
-          <a:p>
+              <a:latin typeface="Arial"/>
+            </a:endParaRPr>
+          </a:p>
+          <a:p>
+            <a:pPr>
+              <a:lnSpc>
+                <a:spcPct val="100000"/>
+              </a:lnSpc>
+            </a:pPr>
             <a:r>
               <a:rPr b="0" lang="en-US" sz="1200" spc="-1" strike="noStrike">
-                <a:latin typeface="arial"/>
+                <a:solidFill>
+                  <a:srgbClr val="000000"/>
+                </a:solidFill>
+                <a:latin typeface="arial"/>
+                <a:ea typeface="DejaVu Sans"/>
               </a:rPr>
               <a:t>&lt;rdf:RDF</a:t>
             </a:r>
             <a:endParaRPr b="0" lang="en-US" sz="1200" spc="-1" strike="noStrike">
-              <a:latin typeface="arial"/>
-            </a:endParaRPr>
-          </a:p>
-          <a:p>
+              <a:latin typeface="Arial"/>
+            </a:endParaRPr>
+          </a:p>
+          <a:p>
+            <a:pPr>
+              <a:lnSpc>
+                <a:spcPct val="100000"/>
+              </a:lnSpc>
+            </a:pPr>
             <a:r>
               <a:rPr b="0" lang="en-US" sz="1200" spc="-1" strike="noStrike">
-                <a:latin typeface="arial"/>
+                <a:solidFill>
+                  <a:srgbClr val="000000"/>
+                </a:solidFill>
+                <a:latin typeface="arial"/>
+                <a:ea typeface="DejaVu Sans"/>
               </a:rPr>
               <a:t>xmlns:rdf="http://www.w3.org/1999/02/22-rdf-syntax-ns#"</a:t>
             </a:r>
             <a:endParaRPr b="0" lang="en-US" sz="1200" spc="-1" strike="noStrike">
-              <a:latin typeface="arial"/>
-            </a:endParaRPr>
-          </a:p>
-          <a:p>
+              <a:latin typeface="Arial"/>
+            </a:endParaRPr>
+          </a:p>
+          <a:p>
+            <a:pPr>
+              <a:lnSpc>
+                <a:spcPct val="100000"/>
+              </a:lnSpc>
+            </a:pPr>
             <a:r>
               <a:rPr b="0" lang="en-US" sz="1200" spc="-1" strike="noStrike">
-                <a:latin typeface="arial"/>
+                <a:solidFill>
+                  <a:srgbClr val="000000"/>
+                </a:solidFill>
+                <a:latin typeface="arial"/>
+                <a:ea typeface="DejaVu Sans"/>
               </a:rPr>
               <a:t>xmlns:cd="http://www.recshop.fake/cd#"&gt;</a:t>
             </a:r>
             <a:endParaRPr b="0" lang="en-US" sz="1200" spc="-1" strike="noStrike">
-              <a:latin typeface="arial"/>
-            </a:endParaRPr>
-          </a:p>
-          <a:p>
+              <a:latin typeface="Arial"/>
+            </a:endParaRPr>
+          </a:p>
+          <a:p>
+            <a:pPr>
+              <a:lnSpc>
+                <a:spcPct val="100000"/>
+              </a:lnSpc>
+            </a:pPr>
             <a:endParaRPr b="0" lang="en-US" sz="1200" spc="-1" strike="noStrike">
-              <a:latin typeface="arial"/>
-            </a:endParaRPr>
-          </a:p>
-          <a:p>
+              <a:latin typeface="Arial"/>
+            </a:endParaRPr>
+          </a:p>
+          <a:p>
+            <a:pPr>
+              <a:lnSpc>
+                <a:spcPct val="100000"/>
+              </a:lnSpc>
+            </a:pPr>
             <a:r>
               <a:rPr b="0" lang="en-US" sz="1200" spc="-1" strike="noStrike">
-                <a:latin typeface="arial"/>
+                <a:solidFill>
+                  <a:srgbClr val="000000"/>
+                </a:solidFill>
+                <a:latin typeface="arial"/>
+                <a:ea typeface="DejaVu Sans"/>
               </a:rPr>
               <a:t>&lt;rdf:Description</a:t>
             </a:r>
             <a:endParaRPr b="0" lang="en-US" sz="1200" spc="-1" strike="noStrike">
-              <a:latin typeface="arial"/>
-            </a:endParaRPr>
-          </a:p>
-          <a:p>
+              <a:latin typeface="Arial"/>
+            </a:endParaRPr>
+          </a:p>
+          <a:p>
+            <a:pPr>
+              <a:lnSpc>
+                <a:spcPct val="100000"/>
+              </a:lnSpc>
+            </a:pPr>
             <a:r>
               <a:rPr b="0" lang="en-US" sz="1200" spc="-1" strike="noStrike">
-                <a:latin typeface="arial"/>
+                <a:solidFill>
+                  <a:srgbClr val="000000"/>
+                </a:solidFill>
+                <a:latin typeface="arial"/>
+                <a:ea typeface="DejaVu Sans"/>
               </a:rPr>
               <a:t>rdf:about="http://www.recshop.fake/cd/Empire Burlesque"&gt;</a:t>
             </a:r>
             <a:endParaRPr b="0" lang="en-US" sz="1200" spc="-1" strike="noStrike">
-              <a:latin typeface="arial"/>
-            </a:endParaRPr>
-          </a:p>
-          <a:p>
+              <a:latin typeface="Arial"/>
+            </a:endParaRPr>
+          </a:p>
+          <a:p>
+            <a:pPr>
+              <a:lnSpc>
+                <a:spcPct val="100000"/>
+              </a:lnSpc>
+            </a:pPr>
             <a:r>
               <a:rPr b="0" lang="en-US" sz="1200" spc="-1" strike="noStrike">
-                <a:latin typeface="arial"/>
+                <a:solidFill>
+                  <a:srgbClr val="000000"/>
+                </a:solidFill>
+                <a:latin typeface="arial"/>
+                <a:ea typeface="DejaVu Sans"/>
               </a:rPr>
               <a:t>  </a:t>
             </a:r>
             <a:r>
               <a:rPr b="0" lang="en-US" sz="1200" spc="-1" strike="noStrike">
-                <a:latin typeface="arial"/>
+                <a:solidFill>
+                  <a:srgbClr val="000000"/>
+                </a:solidFill>
+                <a:latin typeface="arial"/>
+                <a:ea typeface="DejaVu Sans"/>
               </a:rPr>
               <a:t>&lt;cd:artist&gt;Bob Dylan&lt;/cd:artist&gt;</a:t>
             </a:r>
             <a:endParaRPr b="0" lang="en-US" sz="1200" spc="-1" strike="noStrike">
-              <a:latin typeface="arial"/>
-            </a:endParaRPr>
-          </a:p>
-          <a:p>
+              <a:latin typeface="Arial"/>
+            </a:endParaRPr>
+          </a:p>
+          <a:p>
+            <a:pPr>
+              <a:lnSpc>
+                <a:spcPct val="100000"/>
+              </a:lnSpc>
+            </a:pPr>
             <a:r>
               <a:rPr b="0" lang="en-US" sz="1200" spc="-1" strike="noStrike">
-                <a:latin typeface="arial"/>
+                <a:solidFill>
+                  <a:srgbClr val="000000"/>
+                </a:solidFill>
+                <a:latin typeface="arial"/>
+                <a:ea typeface="DejaVu Sans"/>
               </a:rPr>
               <a:t>  </a:t>
             </a:r>
             <a:r>
               <a:rPr b="0" lang="en-US" sz="1200" spc="-1" strike="noStrike">
-                <a:latin typeface="arial"/>
+                <a:solidFill>
+                  <a:srgbClr val="000000"/>
+                </a:solidFill>
+                <a:latin typeface="arial"/>
+                <a:ea typeface="DejaVu Sans"/>
               </a:rPr>
               <a:t>&lt;cd:country&gt;USA&lt;/cd:country&gt;</a:t>
             </a:r>
             <a:endParaRPr b="0" lang="en-US" sz="1200" spc="-1" strike="noStrike">
-              <a:latin typeface="arial"/>
-            </a:endParaRPr>
-          </a:p>
-          <a:p>
+              <a:latin typeface="Arial"/>
+            </a:endParaRPr>
+          </a:p>
+          <a:p>
+            <a:pPr>
+              <a:lnSpc>
+                <a:spcPct val="100000"/>
+              </a:lnSpc>
+            </a:pPr>
             <a:r>
               <a:rPr b="0" lang="en-US" sz="1200" spc="-1" strike="noStrike">
-                <a:latin typeface="arial"/>
+                <a:solidFill>
+                  <a:srgbClr val="000000"/>
+                </a:solidFill>
+                <a:latin typeface="arial"/>
+                <a:ea typeface="DejaVu Sans"/>
               </a:rPr>
               <a:t>  </a:t>
             </a:r>
             <a:r>
               <a:rPr b="0" lang="en-US" sz="1200" spc="-1" strike="noStrike">
-                <a:latin typeface="arial"/>
+                <a:solidFill>
+                  <a:srgbClr val="000000"/>
+                </a:solidFill>
+                <a:latin typeface="arial"/>
+                <a:ea typeface="DejaVu Sans"/>
               </a:rPr>
               <a:t>&lt;cd:company&gt;Columbia&lt;/cd:company&gt;</a:t>
             </a:r>
             <a:endParaRPr b="0" lang="en-US" sz="1200" spc="-1" strike="noStrike">
-              <a:latin typeface="arial"/>
-            </a:endParaRPr>
-          </a:p>
-          <a:p>
+              <a:latin typeface="Arial"/>
+            </a:endParaRPr>
+          </a:p>
+          <a:p>
+            <a:pPr>
+              <a:lnSpc>
+                <a:spcPct val="100000"/>
+              </a:lnSpc>
+            </a:pPr>
             <a:r>
               <a:rPr b="0" lang="en-US" sz="1200" spc="-1" strike="noStrike">
-                <a:latin typeface="arial"/>
+                <a:solidFill>
+                  <a:srgbClr val="000000"/>
+                </a:solidFill>
+                <a:latin typeface="arial"/>
+                <a:ea typeface="DejaVu Sans"/>
               </a:rPr>
               <a:t>  </a:t>
             </a:r>
             <a:r>
               <a:rPr b="0" lang="en-US" sz="1200" spc="-1" strike="noStrike">
-                <a:latin typeface="arial"/>
+                <a:solidFill>
+                  <a:srgbClr val="000000"/>
+                </a:solidFill>
+                <a:latin typeface="arial"/>
+                <a:ea typeface="DejaVu Sans"/>
               </a:rPr>
               <a:t>&lt;cd:price&gt;10.90&lt;/cd:price&gt;</a:t>
             </a:r>
             <a:endParaRPr b="0" lang="en-US" sz="1200" spc="-1" strike="noStrike">
-              <a:latin typeface="arial"/>
-            </a:endParaRPr>
-          </a:p>
-          <a:p>
+              <a:latin typeface="Arial"/>
+            </a:endParaRPr>
+          </a:p>
+          <a:p>
+            <a:pPr>
+              <a:lnSpc>
+                <a:spcPct val="100000"/>
+              </a:lnSpc>
+            </a:pPr>
             <a:r>
               <a:rPr b="0" lang="en-US" sz="1200" spc="-1" strike="noStrike">
-                <a:latin typeface="arial"/>
+                <a:solidFill>
+                  <a:srgbClr val="000000"/>
+                </a:solidFill>
+                <a:latin typeface="arial"/>
+                <a:ea typeface="DejaVu Sans"/>
               </a:rPr>
               <a:t>  </a:t>
             </a:r>
             <a:r>
               <a:rPr b="0" lang="en-US" sz="1200" spc="-1" strike="noStrike">
-                <a:latin typeface="arial"/>
+                <a:solidFill>
+                  <a:srgbClr val="000000"/>
+                </a:solidFill>
+                <a:latin typeface="arial"/>
+                <a:ea typeface="DejaVu Sans"/>
               </a:rPr>
               <a:t>&lt;cd:year&gt;1985&lt;/cd:year&gt;</a:t>
             </a:r>
             <a:endParaRPr b="0" lang="en-US" sz="1200" spc="-1" strike="noStrike">
-              <a:latin typeface="arial"/>
-            </a:endParaRPr>
-          </a:p>
-          <a:p>
+              <a:latin typeface="Arial"/>
+            </a:endParaRPr>
+          </a:p>
+          <a:p>
+            <a:pPr>
+              <a:lnSpc>
+                <a:spcPct val="100000"/>
+              </a:lnSpc>
+            </a:pPr>
             <a:r>
               <a:rPr b="0" lang="en-US" sz="1200" spc="-1" strike="noStrike">
-                <a:latin typeface="arial"/>
+                <a:solidFill>
+                  <a:srgbClr val="000000"/>
+                </a:solidFill>
+                <a:latin typeface="arial"/>
+                <a:ea typeface="DejaVu Sans"/>
               </a:rPr>
               <a:t>&lt;/rdf:Description&gt;</a:t>
             </a:r>
             <a:endParaRPr b="0" lang="en-US" sz="1200" spc="-1" strike="noStrike">
-              <a:latin typeface="arial"/>
-            </a:endParaRPr>
-          </a:p>
-          <a:p>
+              <a:latin typeface="Arial"/>
+            </a:endParaRPr>
+          </a:p>
+          <a:p>
+            <a:pPr>
+              <a:lnSpc>
+                <a:spcPct val="100000"/>
+              </a:lnSpc>
+            </a:pPr>
             <a:endParaRPr b="0" lang="en-US" sz="1200" spc="-1" strike="noStrike">
-              <a:latin typeface="arial"/>
-            </a:endParaRPr>
-          </a:p>
-          <a:p>
+              <a:latin typeface="Arial"/>
+            </a:endParaRPr>
+          </a:p>
+          <a:p>
+            <a:pPr>
+              <a:lnSpc>
+                <a:spcPct val="100000"/>
+              </a:lnSpc>
+            </a:pPr>
             <a:r>
               <a:rPr b="0" lang="en-US" sz="1200" spc="-1" strike="noStrike">
-                <a:latin typeface="arial"/>
+                <a:solidFill>
+                  <a:srgbClr val="000000"/>
+                </a:solidFill>
+                <a:latin typeface="arial"/>
+                <a:ea typeface="DejaVu Sans"/>
               </a:rPr>
               <a:t>&lt;rdf:Description</a:t>
             </a:r>
             <a:endParaRPr b="0" lang="en-US" sz="1200" spc="-1" strike="noStrike">
-              <a:latin typeface="arial"/>
-            </a:endParaRPr>
-          </a:p>
-          <a:p>
+              <a:latin typeface="Arial"/>
+            </a:endParaRPr>
+          </a:p>
+          <a:p>
+            <a:pPr>
+              <a:lnSpc>
+                <a:spcPct val="100000"/>
+              </a:lnSpc>
+            </a:pPr>
             <a:r>
               <a:rPr b="0" lang="en-US" sz="1200" spc="-1" strike="noStrike">
-                <a:latin typeface="arial"/>
+                <a:solidFill>
+                  <a:srgbClr val="000000"/>
+                </a:solidFill>
+                <a:latin typeface="arial"/>
+                <a:ea typeface="DejaVu Sans"/>
               </a:rPr>
               <a:t>rdf:about="http://www.recshop.fake/cd/Hide your heart"&gt;</a:t>
             </a:r>
             <a:endParaRPr b="0" lang="en-US" sz="1200" spc="-1" strike="noStrike">
-              <a:latin typeface="arial"/>
-            </a:endParaRPr>
-          </a:p>
-          <a:p>
+              <a:latin typeface="Arial"/>
+            </a:endParaRPr>
+          </a:p>
+          <a:p>
+            <a:pPr>
+              <a:lnSpc>
+                <a:spcPct val="100000"/>
+              </a:lnSpc>
+            </a:pPr>
             <a:r>
               <a:rPr b="0" lang="en-US" sz="1200" spc="-1" strike="noStrike">
-                <a:latin typeface="arial"/>
+                <a:solidFill>
+                  <a:srgbClr val="000000"/>
+                </a:solidFill>
+                <a:latin typeface="arial"/>
+                <a:ea typeface="DejaVu Sans"/>
               </a:rPr>
               <a:t>  </a:t>
             </a:r>
             <a:r>
               <a:rPr b="0" lang="en-US" sz="1200" spc="-1" strike="noStrike">
-                <a:latin typeface="arial"/>
+                <a:solidFill>
+                  <a:srgbClr val="000000"/>
+                </a:solidFill>
+                <a:latin typeface="arial"/>
+                <a:ea typeface="DejaVu Sans"/>
               </a:rPr>
               <a:t>&lt;cd:artist&gt;Bonnie Tyler&lt;/cd:artist&gt;</a:t>
             </a:r>
             <a:endParaRPr b="0" lang="en-US" sz="1200" spc="-1" strike="noStrike">
-              <a:latin typeface="arial"/>
-            </a:endParaRPr>
-          </a:p>
-          <a:p>
+              <a:latin typeface="Arial"/>
+            </a:endParaRPr>
+          </a:p>
+          <a:p>
+            <a:pPr>
+              <a:lnSpc>
+                <a:spcPct val="100000"/>
+              </a:lnSpc>
+            </a:pPr>
             <a:r>
               <a:rPr b="0" lang="en-US" sz="1200" spc="-1" strike="noStrike">
-                <a:latin typeface="arial"/>
+                <a:solidFill>
+                  <a:srgbClr val="000000"/>
+                </a:solidFill>
+                <a:latin typeface="arial"/>
+                <a:ea typeface="DejaVu Sans"/>
               </a:rPr>
               <a:t>  </a:t>
             </a:r>
             <a:r>
               <a:rPr b="0" lang="en-US" sz="1200" spc="-1" strike="noStrike">
-                <a:latin typeface="arial"/>
+                <a:solidFill>
+                  <a:srgbClr val="000000"/>
+                </a:solidFill>
+                <a:latin typeface="arial"/>
+                <a:ea typeface="DejaVu Sans"/>
               </a:rPr>
               <a:t>&lt;cd:country&gt;UK&lt;/cd:country&gt;</a:t>
             </a:r>
             <a:endParaRPr b="0" lang="en-US" sz="1200" spc="-1" strike="noStrike">
-              <a:latin typeface="arial"/>
-            </a:endParaRPr>
-          </a:p>
-          <a:p>
+              <a:latin typeface="Arial"/>
+            </a:endParaRPr>
+          </a:p>
+          <a:p>
+            <a:pPr>
+              <a:lnSpc>
+                <a:spcPct val="100000"/>
+              </a:lnSpc>
+            </a:pPr>
             <a:r>
               <a:rPr b="0" lang="en-US" sz="1200" spc="-1" strike="noStrike">
-                <a:latin typeface="arial"/>
+                <a:solidFill>
+                  <a:srgbClr val="000000"/>
+                </a:solidFill>
+                <a:latin typeface="arial"/>
+                <a:ea typeface="DejaVu Sans"/>
               </a:rPr>
               <a:t>  </a:t>
             </a:r>
             <a:r>
               <a:rPr b="0" lang="en-US" sz="1200" spc="-1" strike="noStrike">
-                <a:latin typeface="arial"/>
+                <a:solidFill>
+                  <a:srgbClr val="000000"/>
+                </a:solidFill>
+                <a:latin typeface="arial"/>
+                <a:ea typeface="DejaVu Sans"/>
               </a:rPr>
               <a:t>&lt;cd:company&gt;CBS Records&lt;/cd:company&gt;</a:t>
             </a:r>
             <a:endParaRPr b="0" lang="en-US" sz="1200" spc="-1" strike="noStrike">
-              <a:latin typeface="arial"/>
-            </a:endParaRPr>
-          </a:p>
-          <a:p>
+              <a:latin typeface="Arial"/>
+            </a:endParaRPr>
+          </a:p>
+          <a:p>
+            <a:pPr>
+              <a:lnSpc>
+                <a:spcPct val="100000"/>
+              </a:lnSpc>
+            </a:pPr>
             <a:r>
               <a:rPr b="0" lang="en-US" sz="1200" spc="-1" strike="noStrike">
-                <a:latin typeface="arial"/>
+                <a:solidFill>
+                  <a:srgbClr val="000000"/>
+                </a:solidFill>
+                <a:latin typeface="arial"/>
+                <a:ea typeface="DejaVu Sans"/>
               </a:rPr>
               <a:t>  </a:t>
             </a:r>
             <a:r>
               <a:rPr b="0" lang="en-US" sz="1200" spc="-1" strike="noStrike">
-                <a:latin typeface="arial"/>
+                <a:solidFill>
+                  <a:srgbClr val="000000"/>
+                </a:solidFill>
+                <a:latin typeface="arial"/>
+                <a:ea typeface="DejaVu Sans"/>
               </a:rPr>
               <a:t>&lt;cd:price&gt;9.90&lt;/cd:price&gt;</a:t>
             </a:r>
             <a:endParaRPr b="0" lang="en-US" sz="1200" spc="-1" strike="noStrike">
-              <a:latin typeface="arial"/>
-            </a:endParaRPr>
-          </a:p>
-          <a:p>
+              <a:latin typeface="Arial"/>
+            </a:endParaRPr>
+          </a:p>
+          <a:p>
+            <a:pPr>
+              <a:lnSpc>
+                <a:spcPct val="100000"/>
+              </a:lnSpc>
+            </a:pPr>
             <a:r>
               <a:rPr b="0" lang="en-US" sz="1200" spc="-1" strike="noStrike">
-                <a:latin typeface="arial"/>
+                <a:solidFill>
+                  <a:srgbClr val="000000"/>
+                </a:solidFill>
+                <a:latin typeface="arial"/>
+                <a:ea typeface="DejaVu Sans"/>
               </a:rPr>
               <a:t>  </a:t>
             </a:r>
             <a:r>
               <a:rPr b="0" lang="en-US" sz="1200" spc="-1" strike="noStrike">
-                <a:latin typeface="arial"/>
+                <a:solidFill>
+                  <a:srgbClr val="000000"/>
+                </a:solidFill>
+                <a:latin typeface="arial"/>
+                <a:ea typeface="DejaVu Sans"/>
               </a:rPr>
               <a:t>&lt;cd:year&gt;1988&lt;/cd:year&gt;</a:t>
             </a:r>
             <a:endParaRPr b="0" lang="en-US" sz="1200" spc="-1" strike="noStrike">
-              <a:latin typeface="arial"/>
-            </a:endParaRPr>
-          </a:p>
-          <a:p>
+              <a:latin typeface="Arial"/>
+            </a:endParaRPr>
+          </a:p>
+          <a:p>
+            <a:pPr>
+              <a:lnSpc>
+                <a:spcPct val="100000"/>
+              </a:lnSpc>
+            </a:pPr>
             <a:r>
               <a:rPr b="0" lang="en-US" sz="1200" spc="-1" strike="noStrike">
-                <a:latin typeface="arial"/>
+                <a:solidFill>
+                  <a:srgbClr val="000000"/>
+                </a:solidFill>
+                <a:latin typeface="arial"/>
+                <a:ea typeface="DejaVu Sans"/>
               </a:rPr>
               <a:t>&lt;/rdf:Description&gt;</a:t>
             </a:r>
             <a:endParaRPr b="0" lang="en-US" sz="1200" spc="-1" strike="noStrike">
-              <a:latin typeface="arial"/>
-            </a:endParaRPr>
-          </a:p>
-          <a:p>
+              <a:latin typeface="Arial"/>
+            </a:endParaRPr>
+          </a:p>
+          <a:p>
+            <a:pPr>
+              <a:lnSpc>
+                <a:spcPct val="100000"/>
+              </a:lnSpc>
+            </a:pPr>
             <a:r>
               <a:rPr b="0" lang="en-US" sz="1200" spc="-1" strike="noStrike">
-                <a:latin typeface="arial"/>
+                <a:solidFill>
+                  <a:srgbClr val="000000"/>
+                </a:solidFill>
+                <a:latin typeface="arial"/>
+                <a:ea typeface="DejaVu Sans"/>
               </a:rPr>
               <a:t>…</a:t>
             </a:r>
             <a:r>
               <a:rPr b="0" lang="en-US" sz="1200" spc="-1" strike="noStrike">
-                <a:latin typeface="arial"/>
+                <a:solidFill>
+                  <a:srgbClr val="000000"/>
+                </a:solidFill>
+                <a:latin typeface="arial"/>
+                <a:ea typeface="DejaVu Sans"/>
               </a:rPr>
               <a:t>. &lt;/rdf:RDF&gt;</a:t>
             </a:r>
             <a:endParaRPr b="0" lang="en-US" sz="1200" spc="-1" strike="noStrike">
-              <a:latin typeface="arial"/>
+              <a:latin typeface="Arial"/>
+            </a:endParaRPr>
+          </a:p>
+        </p:txBody>
+      </p:sp>
+      <p:sp>
+        <p:nvSpPr>
+          <p:cNvPr id="86" name="CustomShape 4"/>
+          <p:cNvSpPr/>
+          <p:nvPr/>
+        </p:nvSpPr>
+        <p:spPr>
+          <a:xfrm>
+            <a:off x="274320" y="814680"/>
+            <a:ext cx="9143640" cy="462600"/>
+          </a:xfrm>
+          <a:prstGeom prst="rect">
+            <a:avLst/>
+          </a:prstGeom>
+          <a:noFill/>
+          <a:ln>
+            <a:noFill/>
+          </a:ln>
+        </p:spPr>
+        <p:style>
+          <a:lnRef idx="0"/>
+          <a:fillRef idx="0"/>
+          <a:effectRef idx="0"/>
+          <a:fontRef idx="minor"/>
+        </p:style>
+        <p:txBody>
+          <a:bodyPr lIns="90000" rIns="90000" tIns="45000" bIns="45000">
+            <a:noAutofit/>
+          </a:bodyPr>
+          <a:p>
+            <a:pPr>
+              <a:lnSpc>
+                <a:spcPct val="100000"/>
+              </a:lnSpc>
+            </a:pPr>
+            <a:r>
+              <a:rPr b="0" lang="en-US" sz="2000" spc="-1" strike="noStrike">
+                <a:solidFill>
+                  <a:srgbClr val="000000"/>
+                </a:solidFill>
+                <a:latin typeface="arial"/>
+                <a:ea typeface="arial"/>
+              </a:rPr>
+              <a:t>Padrão RDF: padrã utilizado na WEB, em Ontologias e Inteligência Artificial</a:t>
+            </a:r>
+            <a:endParaRPr b="0" lang="en-US" sz="2000" spc="-1" strike="noStrike">
+              <a:latin typeface="Arial"/>
             </a:endParaRPr>
           </a:p>
         </p:txBody>
@@ -4365,14 +5164,14 @@
       </p:grpSpPr>
       <p:sp>
         <p:nvSpPr>
-          <p:cNvPr id="85" name="CustomShape 1"/>
+          <p:cNvPr id="87" name="CustomShape 1"/>
           <p:cNvSpPr/>
           <p:nvPr/>
         </p:nvSpPr>
         <p:spPr>
           <a:xfrm>
             <a:off x="2468880" y="3474720"/>
-            <a:ext cx="4385520" cy="1649160"/>
+            <a:ext cx="4384800" cy="1648440"/>
           </a:xfrm>
           <a:prstGeom prst="rect">
             <a:avLst/>
@@ -4506,7 +5305,7 @@
       </p:sp>
       <p:pic>
         <p:nvPicPr>
-          <p:cNvPr id="86" name="Google Shape;145;p25" descr=""/>
+          <p:cNvPr id="88" name="Google Shape;145;p25" descr=""/>
           <p:cNvPicPr/>
           <p:nvPr/>
         </p:nvPicPr>
@@ -4517,7 +5316,7 @@
         <p:spPr>
           <a:xfrm>
             <a:off x="7947360" y="360"/>
-            <a:ext cx="2130840" cy="778320"/>
+            <a:ext cx="2130120" cy="777600"/>
           </a:xfrm>
           <a:prstGeom prst="rect">
             <a:avLst/>
@@ -4529,7 +5328,7 @@
       </p:pic>
       <p:pic>
         <p:nvPicPr>
-          <p:cNvPr id="87" name="Google Shape;146;p25" descr=""/>
+          <p:cNvPr id="89" name="Google Shape;146;p25" descr=""/>
           <p:cNvPicPr/>
           <p:nvPr/>
         </p:nvPicPr>
@@ -4540,7 +5339,7 @@
         <p:spPr>
           <a:xfrm>
             <a:off x="0" y="360"/>
-            <a:ext cx="2192040" cy="666000"/>
+            <a:ext cx="2191320" cy="665280"/>
           </a:xfrm>
           <a:prstGeom prst="rect">
             <a:avLst/>
@@ -4552,14 +5351,14 @@
       </p:pic>
       <p:sp>
         <p:nvSpPr>
-          <p:cNvPr id="88" name="CustomShape 2"/>
+          <p:cNvPr id="90" name="CustomShape 2"/>
           <p:cNvSpPr/>
           <p:nvPr/>
         </p:nvSpPr>
         <p:spPr>
           <a:xfrm>
             <a:off x="6583680" y="1828800"/>
-            <a:ext cx="1190520" cy="723240"/>
+            <a:ext cx="1189800" cy="722520"/>
           </a:xfrm>
           <a:prstGeom prst="rect">
             <a:avLst/>
@@ -4633,7 +5432,7 @@
       </p:sp>
       <p:pic>
         <p:nvPicPr>
-          <p:cNvPr id="89" name="Google Shape;148;p25" descr=""/>
+          <p:cNvPr id="91" name="Google Shape;148;p25" descr=""/>
           <p:cNvPicPr/>
           <p:nvPr/>
         </p:nvPicPr>
@@ -4644,7 +5443,7 @@
         <p:spPr>
           <a:xfrm>
             <a:off x="2468880" y="731520"/>
-            <a:ext cx="3620880" cy="2649600"/>
+            <a:ext cx="3620160" cy="2648880"/>
           </a:xfrm>
           <a:prstGeom prst="rect">
             <a:avLst/>
@@ -4693,7 +5492,7 @@
         <p:spPr>
           <a:xfrm>
             <a:off x="0" y="0"/>
-            <a:ext cx="10076400" cy="727920"/>
+            <a:ext cx="10075680" cy="727200"/>
           </a:xfrm>
           <a:prstGeom prst="rect">
             <a:avLst/>
@@ -4749,7 +5548,7 @@
         <p:spPr>
           <a:xfrm>
             <a:off x="136080" y="809280"/>
-            <a:ext cx="9005760" cy="468720"/>
+            <a:ext cx="9005040" cy="468000"/>
           </a:xfrm>
           <a:prstGeom prst="rect">
             <a:avLst/>
@@ -4820,7 +5619,7 @@
         <p:spPr>
           <a:xfrm>
             <a:off x="136080" y="839160"/>
-            <a:ext cx="9942480" cy="4700520"/>
+            <a:ext cx="9941760" cy="4699800"/>
           </a:xfrm>
           <a:prstGeom prst="rect">
             <a:avLst/>
@@ -4871,7 +5670,7 @@
             </a:endParaRPr>
           </a:p>
           <a:p>
-            <a:pPr marL="457200" indent="-366480">
+            <a:pPr marL="457200" indent="-365760">
               <a:lnSpc>
                 <a:spcPct val="115000"/>
               </a:lnSpc>
@@ -4899,7 +5698,7 @@
             </a:endParaRPr>
           </a:p>
           <a:p>
-            <a:pPr marL="457200" indent="-366480">
+            <a:pPr marL="457200" indent="-365760">
               <a:lnSpc>
                 <a:spcPct val="115000"/>
               </a:lnSpc>
@@ -4927,7 +5726,7 @@
             </a:endParaRPr>
           </a:p>
           <a:p>
-            <a:pPr marL="457200" indent="-366480">
+            <a:pPr marL="457200" indent="-365760">
               <a:lnSpc>
                 <a:spcPct val="115000"/>
               </a:lnSpc>
@@ -4955,7 +5754,7 @@
             </a:endParaRPr>
           </a:p>
           <a:p>
-            <a:pPr marL="457200" indent="-366480">
+            <a:pPr marL="457200" indent="-365760">
               <a:lnSpc>
                 <a:spcPct val="115000"/>
               </a:lnSpc>
@@ -4983,7 +5782,7 @@
             </a:endParaRPr>
           </a:p>
           <a:p>
-            <a:pPr marL="457200" indent="-366480">
+            <a:pPr marL="457200" indent="-365760">
               <a:lnSpc>
                 <a:spcPct val="115000"/>
               </a:lnSpc>
@@ -5011,7 +5810,7 @@
             </a:endParaRPr>
           </a:p>
           <a:p>
-            <a:pPr marL="420480">
+            <a:pPr marL="420480" indent="-365760">
               <a:lnSpc>
                 <a:spcPct val="115000"/>
               </a:lnSpc>
@@ -5039,7 +5838,7 @@
             </a:endParaRPr>
           </a:p>
           <a:p>
-            <a:pPr marL="420480">
+            <a:pPr marL="420480" indent="-365760">
               <a:lnSpc>
                 <a:spcPct val="115000"/>
               </a:lnSpc>
@@ -5067,7 +5866,7 @@
             </a:endParaRPr>
           </a:p>
           <a:p>
-            <a:pPr marL="420480">
+            <a:pPr marL="420480" indent="-365760">
               <a:lnSpc>
                 <a:spcPct val="115000"/>
               </a:lnSpc>
@@ -5095,7 +5894,7 @@
             </a:endParaRPr>
           </a:p>
           <a:p>
-            <a:pPr marL="420480">
+            <a:pPr marL="420480" indent="-365760">
               <a:lnSpc>
                 <a:spcPct val="115000"/>
               </a:lnSpc>
@@ -5163,7 +5962,7 @@
         <p:spPr>
           <a:xfrm>
             <a:off x="0" y="0"/>
-            <a:ext cx="10076400" cy="727920"/>
+            <a:ext cx="10075680" cy="727200"/>
           </a:xfrm>
           <a:prstGeom prst="rect">
             <a:avLst/>
@@ -5219,7 +6018,7 @@
         <p:spPr>
           <a:xfrm>
             <a:off x="136080" y="809280"/>
-            <a:ext cx="9005760" cy="468720"/>
+            <a:ext cx="9005040" cy="468000"/>
           </a:xfrm>
           <a:prstGeom prst="rect">
             <a:avLst/>
@@ -5290,7 +6089,7 @@
         <p:spPr>
           <a:xfrm>
             <a:off x="136080" y="839160"/>
-            <a:ext cx="9942480" cy="4700520"/>
+            <a:ext cx="9941760" cy="4699800"/>
           </a:xfrm>
           <a:prstGeom prst="rect">
             <a:avLst/>
@@ -5341,7 +6140,7 @@
             </a:endParaRPr>
           </a:p>
           <a:p>
-            <a:pPr marL="457200" indent="-366480">
+            <a:pPr marL="457200" indent="-365760">
               <a:lnSpc>
                 <a:spcPct val="115000"/>
               </a:lnSpc>
@@ -5369,7 +6168,7 @@
             </a:endParaRPr>
           </a:p>
           <a:p>
-            <a:pPr marL="347400">
+            <a:pPr marL="347400" indent="-365760">
               <a:lnSpc>
                 <a:spcPct val="115000"/>
               </a:lnSpc>
@@ -5397,7 +6196,17 @@
             </a:endParaRPr>
           </a:p>
           <a:p>
-            <a:pPr marL="347400">
+            <a:pPr>
+              <a:lnSpc>
+                <a:spcPct val="115000"/>
+              </a:lnSpc>
+            </a:pPr>
+            <a:endParaRPr b="0" lang="en-US" sz="2200" spc="-1" strike="noStrike">
+              <a:latin typeface="Arial"/>
+            </a:endParaRPr>
+          </a:p>
+          <a:p>
+            <a:pPr marL="457200" indent="-365760">
               <a:lnSpc>
                 <a:spcPct val="115000"/>
               </a:lnSpc>
@@ -5407,12 +6216,25 @@
               <a:buFont typeface="arial"/>
               <a:buChar char="●"/>
             </a:pPr>
+            <a:r>
+              <a:rPr b="0" lang="en-US" sz="2200" spc="-1" strike="noStrike">
+                <a:solidFill>
+                  <a:srgbClr val="000000"/>
+                </a:solidFill>
+                <a:highlight>
+                  <a:srgbClr val="ffffff"/>
+                </a:highlight>
+                <a:latin typeface="arial"/>
+                <a:ea typeface="arial"/>
+              </a:rPr>
+              <a:t>CSV: arquivo texto, separado por vírgulas</a:t>
+            </a:r>
             <a:endParaRPr b="0" lang="en-US" sz="2200" spc="-1" strike="noStrike">
               <a:latin typeface="Arial"/>
             </a:endParaRPr>
           </a:p>
           <a:p>
-            <a:pPr marL="457200" indent="-366480">
+            <a:pPr marL="457200" indent="-365760">
               <a:lnSpc>
                 <a:spcPct val="115000"/>
               </a:lnSpc>
@@ -5433,14 +6255,14 @@
                 <a:latin typeface="arial"/>
                 <a:ea typeface="arial"/>
               </a:rPr>
-              <a:t>CSV: arquivo texto, separado por vírgulas</a:t>
+              <a:t>TSV: arquivo texto, separado por tabulações</a:t>
             </a:r>
             <a:endParaRPr b="0" lang="en-US" sz="2200" spc="-1" strike="noStrike">
               <a:latin typeface="Arial"/>
             </a:endParaRPr>
           </a:p>
           <a:p>
-            <a:pPr marL="457200" indent="-366480">
+            <a:pPr marL="329040" indent="-365760">
               <a:lnSpc>
                 <a:spcPct val="115000"/>
               </a:lnSpc>
@@ -5461,14 +6283,14 @@
                 <a:latin typeface="arial"/>
                 <a:ea typeface="arial"/>
               </a:rPr>
-              <a:t>TSV: arquivo texto, separado por tabulações</a:t>
+              <a:t>Podem conter:</a:t>
             </a:r>
             <a:endParaRPr b="0" lang="en-US" sz="2200" spc="-1" strike="noStrike">
               <a:latin typeface="Arial"/>
             </a:endParaRPr>
           </a:p>
           <a:p>
-            <a:pPr marL="329040">
+            <a:pPr marL="768240" indent="-365760">
               <a:lnSpc>
                 <a:spcPct val="115000"/>
               </a:lnSpc>
@@ -5489,42 +6311,14 @@
                 <a:latin typeface="arial"/>
                 <a:ea typeface="arial"/>
               </a:rPr>
-              <a:t>Podem conter:</a:t>
+              <a:t>Cabeçalho (ou não) – header</a:t>
             </a:r>
             <a:endParaRPr b="0" lang="en-US" sz="2200" spc="-1" strike="noStrike">
               <a:latin typeface="Arial"/>
             </a:endParaRPr>
           </a:p>
           <a:p>
-            <a:pPr marL="768240">
-              <a:lnSpc>
-                <a:spcPct val="115000"/>
-              </a:lnSpc>
-              <a:buClr>
-                <a:srgbClr val="000000"/>
-              </a:buClr>
-              <a:buFont typeface="arial"/>
-              <a:buChar char="●"/>
-            </a:pPr>
-            <a:r>
-              <a:rPr b="0" lang="en-US" sz="2200" spc="-1" strike="noStrike">
-                <a:solidFill>
-                  <a:srgbClr val="000000"/>
-                </a:solidFill>
-                <a:highlight>
-                  <a:srgbClr val="ffffff"/>
-                </a:highlight>
-                <a:latin typeface="arial"/>
-                <a:ea typeface="arial"/>
-              </a:rPr>
-              <a:t>Cabeçalho (ou não) – header</a:t>
-            </a:r>
-            <a:endParaRPr b="0" lang="en-US" sz="2200" spc="-1" strike="noStrike">
-              <a:latin typeface="Arial"/>
-            </a:endParaRPr>
-          </a:p>
-          <a:p>
-            <a:pPr marL="768240">
+            <a:pPr marL="768240" indent="-365760">
               <a:lnSpc>
                 <a:spcPct val="115000"/>
               </a:lnSpc>
@@ -5592,7 +6386,7 @@
         <p:spPr>
           <a:xfrm>
             <a:off x="0" y="0"/>
-            <a:ext cx="10076400" cy="727920"/>
+            <a:ext cx="10075680" cy="727200"/>
           </a:xfrm>
           <a:prstGeom prst="rect">
             <a:avLst/>
@@ -5648,7 +6442,7 @@
         <p:spPr>
           <a:xfrm>
             <a:off x="136080" y="809280"/>
-            <a:ext cx="9005760" cy="468720"/>
+            <a:ext cx="9005040" cy="468000"/>
           </a:xfrm>
           <a:prstGeom prst="rect">
             <a:avLst/>
@@ -5712,14 +6506,14 @@
       </p:sp>
       <p:sp>
         <p:nvSpPr>
-          <p:cNvPr id="50" name="TextShape 3"/>
-          <p:cNvSpPr txBox="1"/>
+          <p:cNvPr id="50" name="CustomShape 3"/>
+          <p:cNvSpPr/>
           <p:nvPr/>
         </p:nvSpPr>
         <p:spPr>
           <a:xfrm>
             <a:off x="4317120" y="5195520"/>
-            <a:ext cx="5507280" cy="232560"/>
+            <a:ext cx="5506560" cy="231840"/>
           </a:xfrm>
           <a:prstGeom prst="rect">
             <a:avLst/>
@@ -5729,14 +6523,30 @@
             <a:noFill/>
           </a:ln>
         </p:spPr>
+        <p:style>
+          <a:lnRef idx="0"/>
+          <a:fillRef idx="0"/>
+          <a:effectRef idx="0"/>
+          <a:fontRef idx="minor"/>
+        </p:style>
         <p:txBody>
           <a:bodyPr lIns="90000" rIns="90000" tIns="45000" bIns="45000">
             <a:noAutofit/>
           </a:bodyPr>
           <a:p>
-            <a:r>
-              <a:rPr b="0" lang="en-US" sz="1000" spc="-1" strike="noStrike">
+            <a:pPr>
+              <a:lnSpc>
+                <a:spcPct val="100000"/>
+              </a:lnSpc>
+            </a:pPr>
+            <a:r>
+              <a:rPr b="0" lang="en-US" sz="1000" spc="-1" strike="noStrike" u="sng">
+                <a:solidFill>
+                  <a:srgbClr val="0000ff"/>
+                </a:solidFill>
+                <a:uFillTx/>
                 <a:latin typeface="Arial"/>
+                <a:ea typeface="DejaVu Sans"/>
                 <a:hlinkClick r:id="rId1"/>
               </a:rPr>
               <a:t>https://github.com/flalix/curso_python/tree/master/lecture01%20-%20python%20b%C3%A1sico</a:t>
@@ -5755,8 +6565,8 @@
         </p:nvSpPr>
         <p:spPr>
           <a:xfrm flipH="1" rot="10810200">
-            <a:off x="3657600" y="5113440"/>
-            <a:ext cx="626760" cy="556200"/>
+            <a:off x="3656160" y="5113440"/>
+            <a:ext cx="626040" cy="555480"/>
           </a:xfrm>
           <a:custGeom>
             <a:avLst/>
@@ -5818,14 +6628,14 @@
       </p:sp>
       <p:sp>
         <p:nvSpPr>
-          <p:cNvPr id="52" name="TextShape 5"/>
-          <p:cNvSpPr txBox="1"/>
+          <p:cNvPr id="52" name="CustomShape 5"/>
+          <p:cNvSpPr/>
           <p:nvPr/>
         </p:nvSpPr>
         <p:spPr>
           <a:xfrm>
             <a:off x="274320" y="717840"/>
-            <a:ext cx="5645520" cy="4861080"/>
+            <a:ext cx="5644800" cy="4860360"/>
           </a:xfrm>
           <a:prstGeom prst="rect">
             <a:avLst/>
@@ -5835,296 +6645,514 @@
             <a:noFill/>
           </a:ln>
         </p:spPr>
+        <p:style>
+          <a:lnRef idx="0"/>
+          <a:fillRef idx="0"/>
+          <a:effectRef idx="0"/>
+          <a:fontRef idx="minor"/>
+        </p:style>
         <p:txBody>
           <a:bodyPr lIns="90000" rIns="90000" tIns="45000" bIns="45000">
             <a:noAutofit/>
           </a:bodyPr>
           <a:p>
-            <a:r>
-              <a:rPr b="0" lang="en-US" sz="1400" spc="-1" strike="noStrike">
-                <a:latin typeface="arial"/>
+            <a:pPr>
+              <a:lnSpc>
+                <a:spcPct val="100000"/>
+              </a:lnSpc>
+            </a:pPr>
+            <a:r>
+              <a:rPr b="0" lang="en-US" sz="1400" spc="-1" strike="noStrike">
+                <a:solidFill>
+                  <a:srgbClr val="000000"/>
+                </a:solidFill>
+                <a:latin typeface="arial"/>
+                <a:ea typeface="DejaVu Sans"/>
               </a:rPr>
               <a:t>import os</a:t>
             </a:r>
             <a:endParaRPr b="0" lang="en-US" sz="1400" spc="-1" strike="noStrike">
-              <a:latin typeface="arial"/>
-            </a:endParaRPr>
-          </a:p>
-          <a:p>
-            <a:r>
-              <a:rPr b="0" lang="en-US" sz="1400" spc="-1" strike="noStrike">
-                <a:latin typeface="arial"/>
+              <a:latin typeface="Arial"/>
+            </a:endParaRPr>
+          </a:p>
+          <a:p>
+            <a:pPr>
+              <a:lnSpc>
+                <a:spcPct val="100000"/>
+              </a:lnSpc>
+            </a:pPr>
+            <a:r>
+              <a:rPr b="0" lang="en-US" sz="1400" spc="-1" strike="noStrike">
+                <a:solidFill>
+                  <a:srgbClr val="000000"/>
+                </a:solidFill>
+                <a:latin typeface="arial"/>
+                <a:ea typeface="DejaVu Sans"/>
               </a:rPr>
               <a:t>fname = '../data/exemplo_estranho.txt'</a:t>
             </a:r>
             <a:endParaRPr b="0" lang="en-US" sz="1400" spc="-1" strike="noStrike">
-              <a:latin typeface="arial"/>
-            </a:endParaRPr>
-          </a:p>
-          <a:p>
-            <a:r>
-              <a:rPr b="0" lang="en-US" sz="1400" spc="-1" strike="noStrike">
-                <a:latin typeface="arial"/>
+              <a:latin typeface="Arial"/>
+            </a:endParaRPr>
+          </a:p>
+          <a:p>
+            <a:pPr>
+              <a:lnSpc>
+                <a:spcPct val="100000"/>
+              </a:lnSpc>
+            </a:pPr>
+            <a:r>
+              <a:rPr b="0" lang="en-US" sz="1400" spc="-1" strike="noStrike">
+                <a:solidFill>
+                  <a:srgbClr val="000000"/>
+                </a:solidFill>
+                <a:latin typeface="arial"/>
+                <a:ea typeface="DejaVu Sans"/>
               </a:rPr>
               <a:t>os.path.exists(fname)</a:t>
             </a:r>
             <a:endParaRPr b="0" lang="en-US" sz="1400" spc="-1" strike="noStrike">
-              <a:latin typeface="arial"/>
-            </a:endParaRPr>
-          </a:p>
-          <a:p>
+              <a:latin typeface="Arial"/>
+            </a:endParaRPr>
+          </a:p>
+          <a:p>
+            <a:pPr>
+              <a:lnSpc>
+                <a:spcPct val="100000"/>
+              </a:lnSpc>
+            </a:pPr>
             <a:endParaRPr b="0" lang="en-US" sz="1400" spc="-1" strike="noStrike">
-              <a:latin typeface="arial"/>
-            </a:endParaRPr>
-          </a:p>
-          <a:p>
-            <a:r>
-              <a:rPr b="0" lang="en-US" sz="1400" spc="-1" strike="noStrike">
-                <a:latin typeface="arial"/>
+              <a:latin typeface="Arial"/>
+            </a:endParaRPr>
+          </a:p>
+          <a:p>
+            <a:pPr>
+              <a:lnSpc>
+                <a:spcPct val="100000"/>
+              </a:lnSpc>
+            </a:pPr>
+            <a:r>
+              <a:rPr b="0" lang="en-US" sz="1400" spc="-1" strike="noStrike">
+                <a:solidFill>
+                  <a:srgbClr val="000000"/>
+                </a:solidFill>
+                <a:latin typeface="arial"/>
+                <a:ea typeface="DejaVu Sans"/>
               </a:rPr>
               <a:t>with open(fname, 'r') as f:</a:t>
             </a:r>
             <a:endParaRPr b="0" lang="en-US" sz="1400" spc="-1" strike="noStrike">
-              <a:latin typeface="arial"/>
-            </a:endParaRPr>
-          </a:p>
-          <a:p>
+              <a:latin typeface="Arial"/>
+            </a:endParaRPr>
+          </a:p>
+          <a:p>
+            <a:pPr>
+              <a:lnSpc>
+                <a:spcPct val="100000"/>
+              </a:lnSpc>
+            </a:pPr>
             <a:endParaRPr b="0" lang="en-US" sz="1400" spc="-1" strike="noStrike">
-              <a:latin typeface="arial"/>
-            </a:endParaRPr>
-          </a:p>
-          <a:p>
-            <a:r>
-              <a:rPr b="0" lang="en-US" sz="1400" spc="-1" strike="noStrike">
-                <a:latin typeface="arial"/>
+              <a:latin typeface="Arial"/>
+            </a:endParaRPr>
+          </a:p>
+          <a:p>
+            <a:pPr>
+              <a:lnSpc>
+                <a:spcPct val="100000"/>
+              </a:lnSpc>
+            </a:pPr>
+            <a:r>
+              <a:rPr b="0" lang="en-US" sz="1400" spc="-1" strike="noStrike">
+                <a:solidFill>
+                  <a:srgbClr val="000000"/>
+                </a:solidFill>
+                <a:latin typeface="arial"/>
+                <a:ea typeface="DejaVu Sans"/>
               </a:rPr>
               <a:t>    </a:t>
             </a:r>
             <a:r>
               <a:rPr b="0" lang="en-US" sz="1400" spc="-1" strike="noStrike">
-                <a:latin typeface="arial"/>
+                <a:solidFill>
+                  <a:srgbClr val="000000"/>
+                </a:solidFill>
+                <a:latin typeface="arial"/>
+                <a:ea typeface="DejaVu Sans"/>
               </a:rPr>
               <a:t>while True:</a:t>
             </a:r>
             <a:endParaRPr b="0" lang="en-US" sz="1400" spc="-1" strike="noStrike">
-              <a:latin typeface="arial"/>
-            </a:endParaRPr>
-          </a:p>
-          <a:p>
-            <a:r>
-              <a:rPr b="0" lang="en-US" sz="1400" spc="-1" strike="noStrike">
-                <a:latin typeface="arial"/>
+              <a:latin typeface="Arial"/>
+            </a:endParaRPr>
+          </a:p>
+          <a:p>
+            <a:pPr>
+              <a:lnSpc>
+                <a:spcPct val="100000"/>
+              </a:lnSpc>
+            </a:pPr>
+            <a:r>
+              <a:rPr b="0" lang="en-US" sz="1400" spc="-1" strike="noStrike">
+                <a:solidFill>
+                  <a:srgbClr val="000000"/>
+                </a:solidFill>
+                <a:latin typeface="arial"/>
+                <a:ea typeface="DejaVu Sans"/>
               </a:rPr>
               <a:t>        </a:t>
             </a:r>
             <a:r>
               <a:rPr b="0" lang="en-US" sz="1400" spc="-1" strike="noStrike">
-                <a:latin typeface="arial"/>
+                <a:solidFill>
+                  <a:srgbClr val="000000"/>
+                </a:solidFill>
+                <a:latin typeface="arial"/>
+                <a:ea typeface="DejaVu Sans"/>
               </a:rPr>
               <a:t>line = f.readline()</a:t>
             </a:r>
             <a:endParaRPr b="0" lang="en-US" sz="1400" spc="-1" strike="noStrike">
-              <a:latin typeface="arial"/>
-            </a:endParaRPr>
-          </a:p>
-          <a:p>
-            <a:r>
-              <a:rPr b="0" lang="en-US" sz="1400" spc="-1" strike="noStrike">
-                <a:latin typeface="arial"/>
+              <a:latin typeface="Arial"/>
+            </a:endParaRPr>
+          </a:p>
+          <a:p>
+            <a:pPr>
+              <a:lnSpc>
+                <a:spcPct val="100000"/>
+              </a:lnSpc>
+            </a:pPr>
+            <a:r>
+              <a:rPr b="0" lang="en-US" sz="1400" spc="-1" strike="noStrike">
+                <a:solidFill>
+                  <a:srgbClr val="000000"/>
+                </a:solidFill>
+                <a:latin typeface="arial"/>
+                <a:ea typeface="DejaVu Sans"/>
               </a:rPr>
               <a:t>        </a:t>
             </a:r>
             <a:r>
               <a:rPr b="0" lang="en-US" sz="1400" spc="-1" strike="noStrike">
-                <a:latin typeface="arial"/>
+                <a:solidFill>
+                  <a:srgbClr val="000000"/>
+                </a:solidFill>
+                <a:latin typeface="arial"/>
+                <a:ea typeface="DejaVu Sans"/>
               </a:rPr>
               <a:t>if line == '':</a:t>
             </a:r>
             <a:endParaRPr b="0" lang="en-US" sz="1400" spc="-1" strike="noStrike">
-              <a:latin typeface="arial"/>
-            </a:endParaRPr>
-          </a:p>
-          <a:p>
-            <a:r>
-              <a:rPr b="0" lang="en-US" sz="1400" spc="-1" strike="noStrike">
-                <a:latin typeface="arial"/>
+              <a:latin typeface="Arial"/>
+            </a:endParaRPr>
+          </a:p>
+          <a:p>
+            <a:pPr>
+              <a:lnSpc>
+                <a:spcPct val="100000"/>
+              </a:lnSpc>
+            </a:pPr>
+            <a:r>
+              <a:rPr b="0" lang="en-US" sz="1400" spc="-1" strike="noStrike">
+                <a:solidFill>
+                  <a:srgbClr val="000000"/>
+                </a:solidFill>
+                <a:latin typeface="arial"/>
+                <a:ea typeface="DejaVu Sans"/>
               </a:rPr>
               <a:t>            </a:t>
             </a:r>
             <a:r>
               <a:rPr b="0" lang="en-US" sz="1400" spc="-1" strike="noStrike">
-                <a:latin typeface="arial"/>
+                <a:solidFill>
+                  <a:srgbClr val="000000"/>
+                </a:solidFill>
+                <a:latin typeface="arial"/>
+                <a:ea typeface="DejaVu Sans"/>
               </a:rPr>
               <a:t>break</a:t>
             </a:r>
             <a:endParaRPr b="0" lang="en-US" sz="1400" spc="-1" strike="noStrike">
-              <a:latin typeface="arial"/>
-            </a:endParaRPr>
-          </a:p>
-          <a:p>
+              <a:latin typeface="Arial"/>
+            </a:endParaRPr>
+          </a:p>
+          <a:p>
+            <a:pPr>
+              <a:lnSpc>
+                <a:spcPct val="100000"/>
+              </a:lnSpc>
+            </a:pPr>
             <a:endParaRPr b="0" lang="en-US" sz="1400" spc="-1" strike="noStrike">
-              <a:latin typeface="arial"/>
-            </a:endParaRPr>
-          </a:p>
-          <a:p>
-            <a:r>
-              <a:rPr b="0" lang="en-US" sz="1400" spc="-1" strike="noStrike">
-                <a:latin typeface="arial"/>
+              <a:latin typeface="Arial"/>
+            </a:endParaRPr>
+          </a:p>
+          <a:p>
+            <a:pPr>
+              <a:lnSpc>
+                <a:spcPct val="100000"/>
+              </a:lnSpc>
+            </a:pPr>
+            <a:r>
+              <a:rPr b="0" lang="en-US" sz="1400" spc="-1" strike="noStrike">
+                <a:solidFill>
+                  <a:srgbClr val="000000"/>
+                </a:solidFill>
+                <a:latin typeface="arial"/>
+                <a:ea typeface="DejaVu Sans"/>
               </a:rPr>
               <a:t>        </a:t>
             </a:r>
             <a:r>
               <a:rPr b="0" lang="en-US" sz="1400" spc="-1" strike="noStrike">
-                <a:latin typeface="arial"/>
+                <a:solidFill>
+                  <a:srgbClr val="000000"/>
+                </a:solidFill>
+                <a:latin typeface="arial"/>
+                <a:ea typeface="DejaVu Sans"/>
               </a:rPr>
               <a:t>line = line.strip() # tire os espaços antes e depois</a:t>
             </a:r>
             <a:endParaRPr b="0" lang="en-US" sz="1400" spc="-1" strike="noStrike">
-              <a:latin typeface="arial"/>
-            </a:endParaRPr>
-          </a:p>
-          <a:p>
-            <a:r>
-              <a:rPr b="0" lang="en-US" sz="1400" spc="-1" strike="noStrike">
-                <a:latin typeface="arial"/>
+              <a:latin typeface="Arial"/>
+            </a:endParaRPr>
+          </a:p>
+          <a:p>
+            <a:pPr>
+              <a:lnSpc>
+                <a:spcPct val="100000"/>
+              </a:lnSpc>
+            </a:pPr>
+            <a:r>
+              <a:rPr b="0" lang="en-US" sz="1400" spc="-1" strike="noStrike">
+                <a:solidFill>
+                  <a:srgbClr val="000000"/>
+                </a:solidFill>
+                <a:latin typeface="arial"/>
+                <a:ea typeface="DejaVu Sans"/>
               </a:rPr>
               <a:t>        </a:t>
             </a:r>
             <a:r>
               <a:rPr b="0" lang="en-US" sz="1400" spc="-1" strike="noStrike">
-                <a:latin typeface="arial"/>
+                <a:solidFill>
+                  <a:srgbClr val="000000"/>
+                </a:solidFill>
+                <a:latin typeface="arial"/>
+                <a:ea typeface="DejaVu Sans"/>
               </a:rPr>
               <a:t>mat = line.split('-')</a:t>
             </a:r>
             <a:endParaRPr b="0" lang="en-US" sz="1400" spc="-1" strike="noStrike">
-              <a:latin typeface="arial"/>
-            </a:endParaRPr>
-          </a:p>
-          <a:p>
+              <a:latin typeface="Arial"/>
+            </a:endParaRPr>
+          </a:p>
+          <a:p>
+            <a:pPr>
+              <a:lnSpc>
+                <a:spcPct val="100000"/>
+              </a:lnSpc>
+            </a:pPr>
             <a:endParaRPr b="0" lang="en-US" sz="1400" spc="-1" strike="noStrike">
-              <a:latin typeface="arial"/>
-            </a:endParaRPr>
-          </a:p>
-          <a:p>
-            <a:r>
-              <a:rPr b="0" lang="en-US" sz="1400" spc="-1" strike="noStrike">
-                <a:latin typeface="arial"/>
+              <a:latin typeface="Arial"/>
+            </a:endParaRPr>
+          </a:p>
+          <a:p>
+            <a:pPr>
+              <a:lnSpc>
+                <a:spcPct val="100000"/>
+              </a:lnSpc>
+            </a:pPr>
+            <a:r>
+              <a:rPr b="0" lang="en-US" sz="1400" spc="-1" strike="noStrike">
+                <a:solidFill>
+                  <a:srgbClr val="000000"/>
+                </a:solidFill>
+                <a:latin typeface="arial"/>
+                <a:ea typeface="DejaVu Sans"/>
               </a:rPr>
               <a:t>        </a:t>
             </a:r>
             <a:r>
               <a:rPr b="0" lang="en-US" sz="1400" spc="-1" strike="noStrike">
-                <a:latin typeface="arial"/>
+                <a:solidFill>
+                  <a:srgbClr val="000000"/>
+                </a:solidFill>
+                <a:latin typeface="arial"/>
+                <a:ea typeface="DejaVu Sans"/>
               </a:rPr>
               <a:t>termo0 = mat[0]</a:t>
             </a:r>
             <a:endParaRPr b="0" lang="en-US" sz="1400" spc="-1" strike="noStrike">
-              <a:latin typeface="arial"/>
-            </a:endParaRPr>
-          </a:p>
-          <a:p>
-            <a:r>
-              <a:rPr b="0" lang="en-US" sz="1400" spc="-1" strike="noStrike">
-                <a:latin typeface="arial"/>
+              <a:latin typeface="Arial"/>
+            </a:endParaRPr>
+          </a:p>
+          <a:p>
+            <a:pPr>
+              <a:lnSpc>
+                <a:spcPct val="100000"/>
+              </a:lnSpc>
+            </a:pPr>
+            <a:r>
+              <a:rPr b="0" lang="en-US" sz="1400" spc="-1" strike="noStrike">
+                <a:solidFill>
+                  <a:srgbClr val="000000"/>
+                </a:solidFill>
+                <a:latin typeface="arial"/>
+                <a:ea typeface="DejaVu Sans"/>
               </a:rPr>
               <a:t>        </a:t>
             </a:r>
             <a:r>
               <a:rPr b="0" lang="en-US" sz="1400" spc="-1" strike="noStrike">
-                <a:latin typeface="arial"/>
+                <a:solidFill>
+                  <a:srgbClr val="000000"/>
+                </a:solidFill>
+                <a:latin typeface="arial"/>
+                <a:ea typeface="DejaVu Sans"/>
               </a:rPr>
               <a:t>mat = mat[1].split(' ')</a:t>
             </a:r>
             <a:endParaRPr b="0" lang="en-US" sz="1400" spc="-1" strike="noStrike">
-              <a:latin typeface="arial"/>
-            </a:endParaRPr>
-          </a:p>
-          <a:p>
-            <a:r>
-              <a:rPr b="0" lang="en-US" sz="1400" spc="-1" strike="noStrike">
-                <a:latin typeface="arial"/>
+              <a:latin typeface="Arial"/>
+            </a:endParaRPr>
+          </a:p>
+          <a:p>
+            <a:pPr>
+              <a:lnSpc>
+                <a:spcPct val="100000"/>
+              </a:lnSpc>
+            </a:pPr>
+            <a:r>
+              <a:rPr b="0" lang="en-US" sz="1400" spc="-1" strike="noStrike">
+                <a:solidFill>
+                  <a:srgbClr val="000000"/>
+                </a:solidFill>
+                <a:latin typeface="arial"/>
+                <a:ea typeface="DejaVu Sans"/>
               </a:rPr>
               <a:t>        </a:t>
             </a:r>
             <a:r>
               <a:rPr b="0" lang="en-US" sz="1400" spc="-1" strike="noStrike">
-                <a:latin typeface="arial"/>
+                <a:solidFill>
+                  <a:srgbClr val="000000"/>
+                </a:solidFill>
+                <a:latin typeface="arial"/>
+                <a:ea typeface="DejaVu Sans"/>
               </a:rPr>
               <a:t>termo1 = mat[0]</a:t>
             </a:r>
             <a:endParaRPr b="0" lang="en-US" sz="1400" spc="-1" strike="noStrike">
-              <a:latin typeface="arial"/>
-            </a:endParaRPr>
-          </a:p>
-          <a:p>
-            <a:r>
-              <a:rPr b="0" lang="en-US" sz="1400" spc="-1" strike="noStrike">
-                <a:latin typeface="arial"/>
+              <a:latin typeface="Arial"/>
+            </a:endParaRPr>
+          </a:p>
+          <a:p>
+            <a:pPr>
+              <a:lnSpc>
+                <a:spcPct val="100000"/>
+              </a:lnSpc>
+            </a:pPr>
+            <a:r>
+              <a:rPr b="0" lang="en-US" sz="1400" spc="-1" strike="noStrike">
+                <a:solidFill>
+                  <a:srgbClr val="000000"/>
+                </a:solidFill>
+                <a:latin typeface="arial"/>
+                <a:ea typeface="DejaVu Sans"/>
               </a:rPr>
               <a:t>        </a:t>
             </a:r>
             <a:r>
               <a:rPr b="0" lang="en-US" sz="1400" spc="-1" strike="noStrike">
-                <a:latin typeface="arial"/>
+                <a:solidFill>
+                  <a:srgbClr val="000000"/>
+                </a:solidFill>
+                <a:latin typeface="arial"/>
+                <a:ea typeface="DejaVu Sans"/>
               </a:rPr>
               <a:t>termo2 = mat[1]</a:t>
             </a:r>
             <a:endParaRPr b="0" lang="en-US" sz="1400" spc="-1" strike="noStrike">
-              <a:latin typeface="arial"/>
-            </a:endParaRPr>
-          </a:p>
-          <a:p>
+              <a:latin typeface="Arial"/>
+            </a:endParaRPr>
+          </a:p>
+          <a:p>
+            <a:pPr>
+              <a:lnSpc>
+                <a:spcPct val="100000"/>
+              </a:lnSpc>
+            </a:pPr>
+            <a:r>
+              <a:rPr b="0" lang="en-US" sz="1400" spc="-1" strike="noStrike">
+                <a:solidFill>
+                  <a:srgbClr val="000000"/>
+                </a:solidFill>
+                <a:latin typeface="arial"/>
+                <a:ea typeface="DejaVu Sans"/>
+              </a:rPr>
+              <a:t>        </a:t>
+            </a:r>
+            <a:r>
+              <a:rPr b="0" lang="en-US" sz="1400" spc="-1" strike="noStrike">
+                <a:solidFill>
+                  <a:srgbClr val="000000"/>
+                </a:solidFill>
+                <a:latin typeface="arial"/>
+                <a:ea typeface="DejaVu Sans"/>
+              </a:rPr>
+              <a:t>print(termo0, '\t', termo1, '\t', termo2)</a:t>
+            </a:r>
             <a:endParaRPr b="0" lang="en-US" sz="1400" spc="-1" strike="noStrike">
-              <a:latin typeface="arial"/>
-            </a:endParaRPr>
-          </a:p>
-          <a:p>
-            <a:r>
-              <a:rPr b="0" lang="en-US" sz="1400" spc="-1" strike="noStrike">
-                <a:latin typeface="arial"/>
-              </a:rPr>
-              <a:t>        </a:t>
-            </a:r>
-            <a:r>
-              <a:rPr b="0" lang="en-US" sz="1400" spc="-1" strike="noStrike">
-                <a:latin typeface="arial"/>
-              </a:rPr>
-              <a:t>print(termo0, '\t', termo1, '\t', termo2)</a:t>
-            </a:r>
+              <a:latin typeface="Arial"/>
+            </a:endParaRPr>
+          </a:p>
+          <a:p>
+            <a:pPr>
+              <a:lnSpc>
+                <a:spcPct val="100000"/>
+              </a:lnSpc>
+            </a:pPr>
             <a:endParaRPr b="0" lang="en-US" sz="1400" spc="-1" strike="noStrike">
-              <a:latin typeface="arial"/>
-            </a:endParaRPr>
-          </a:p>
-          <a:p>
+              <a:latin typeface="Arial"/>
+            </a:endParaRPr>
+          </a:p>
+          <a:p>
+            <a:pPr>
+              <a:lnSpc>
+                <a:spcPct val="100000"/>
+              </a:lnSpc>
+            </a:pPr>
+            <a:r>
+              <a:rPr b="0" lang="en-US" sz="1400" spc="-1" strike="noStrike">
+                <a:solidFill>
+                  <a:srgbClr val="000000"/>
+                </a:solidFill>
+                <a:latin typeface="arial"/>
+                <a:ea typeface="DejaVu Sans"/>
+              </a:rPr>
+              <a:t>#-- \n == carriage return</a:t>
+            </a:r>
             <a:endParaRPr b="0" lang="en-US" sz="1400" spc="-1" strike="noStrike">
-              <a:latin typeface="arial"/>
-            </a:endParaRPr>
-          </a:p>
-          <a:p>
+              <a:latin typeface="Arial"/>
+            </a:endParaRPr>
+          </a:p>
+          <a:p>
+            <a:pPr>
+              <a:lnSpc>
+                <a:spcPct val="100000"/>
+              </a:lnSpc>
+            </a:pPr>
+            <a:r>
+              <a:rPr b="0" lang="en-US" sz="1400" spc="-1" strike="noStrike">
+                <a:solidFill>
+                  <a:srgbClr val="000000"/>
+                </a:solidFill>
+                <a:latin typeface="arial"/>
+                <a:ea typeface="DejaVu Sans"/>
+              </a:rPr>
+              <a:t>print("\n---- fim ----")</a:t>
+            </a:r>
             <a:endParaRPr b="0" lang="en-US" sz="1400" spc="-1" strike="noStrike">
-              <a:latin typeface="arial"/>
-            </a:endParaRPr>
-          </a:p>
-          <a:p>
-            <a:r>
-              <a:rPr b="0" lang="en-US" sz="1400" spc="-1" strike="noStrike">
-                <a:latin typeface="arial"/>
-              </a:rPr>
-              <a:t>#-- \n == carriage return</a:t>
-            </a:r>
-            <a:endParaRPr b="0" lang="en-US" sz="1400" spc="-1" strike="noStrike">
-              <a:latin typeface="arial"/>
-            </a:endParaRPr>
-          </a:p>
-          <a:p>
-            <a:r>
-              <a:rPr b="0" lang="en-US" sz="1400" spc="-1" strike="noStrike">
-                <a:latin typeface="arial"/>
-              </a:rPr>
-              <a:t>print("\n---- fim ----")</a:t>
-            </a:r>
-            <a:endParaRPr b="0" lang="en-US" sz="1400" spc="-1" strike="noStrike">
-              <a:latin typeface="arial"/>
+              <a:latin typeface="Arial"/>
             </a:endParaRPr>
           </a:p>
         </p:txBody>
@@ -6168,7 +7196,7 @@
         <p:spPr>
           <a:xfrm>
             <a:off x="0" y="0"/>
-            <a:ext cx="10076400" cy="727920"/>
+            <a:ext cx="10075680" cy="727200"/>
           </a:xfrm>
           <a:prstGeom prst="rect">
             <a:avLst/>
@@ -6224,7 +7252,7 @@
         <p:spPr>
           <a:xfrm>
             <a:off x="136080" y="809280"/>
-            <a:ext cx="9005760" cy="468720"/>
+            <a:ext cx="9005040" cy="468000"/>
           </a:xfrm>
           <a:prstGeom prst="rect">
             <a:avLst/>
@@ -6295,7 +7323,7 @@
         <p:spPr>
           <a:xfrm>
             <a:off x="136080" y="839160"/>
-            <a:ext cx="9942480" cy="4700520"/>
+            <a:ext cx="9941760" cy="4699800"/>
           </a:xfrm>
           <a:prstGeom prst="rect">
             <a:avLst/>
@@ -6346,7 +7374,7 @@
             </a:endParaRPr>
           </a:p>
           <a:p>
-            <a:pPr marL="457200" indent="-366480">
+            <a:pPr marL="457200" indent="-365760">
               <a:lnSpc>
                 <a:spcPct val="115000"/>
               </a:lnSpc>
@@ -6370,13 +7398,14 @@
               <a:t>WHO - </a:t>
             </a:r>
             <a:r>
-              <a:rPr b="0" lang="en-US" sz="2200" spc="-1" strike="noStrike">
-                <a:solidFill>
-                  <a:srgbClr val="000000"/>
+              <a:rPr b="0" lang="en-US" sz="2200" spc="-1" strike="noStrike" u="sng">
+                <a:solidFill>
+                  <a:srgbClr val="0000ff"/>
                 </a:solidFill>
                 <a:highlight>
                   <a:srgbClr val="ffffff"/>
                 </a:highlight>
+                <a:uFillTx/>
                 <a:latin typeface="arial"/>
                 <a:ea typeface="arial"/>
                 <a:hlinkClick r:id="rId1"/>
@@ -6401,7 +7430,7 @@
             </a:endParaRPr>
           </a:p>
           <a:p>
-            <a:pPr marL="347400">
+            <a:pPr marL="347400" indent="-365760">
               <a:lnSpc>
                 <a:spcPct val="115000"/>
               </a:lnSpc>
@@ -6429,7 +7458,7 @@
             </a:endParaRPr>
           </a:p>
           <a:p>
-            <a:pPr marL="347400">
+            <a:pPr marL="347400" indent="-365760">
               <a:lnSpc>
                 <a:spcPct val="115000"/>
               </a:lnSpc>
@@ -6457,7 +7486,17 @@
             </a:endParaRPr>
           </a:p>
           <a:p>
-            <a:pPr marL="347400">
+            <a:pPr>
+              <a:lnSpc>
+                <a:spcPct val="115000"/>
+              </a:lnSpc>
+            </a:pPr>
+            <a:endParaRPr b="0" lang="en-US" sz="2200" spc="-1" strike="noStrike">
+              <a:latin typeface="Arial"/>
+            </a:endParaRPr>
+          </a:p>
+          <a:p>
+            <a:pPr marL="457200" indent="-365760">
               <a:lnSpc>
                 <a:spcPct val="115000"/>
               </a:lnSpc>
@@ -6467,12 +7506,25 @@
               <a:buFont typeface="arial"/>
               <a:buChar char="●"/>
             </a:pPr>
+            <a:r>
+              <a:rPr b="0" lang="en-US" sz="2200" spc="-1" strike="noStrike">
+                <a:solidFill>
+                  <a:srgbClr val="000000"/>
+                </a:solidFill>
+                <a:highlight>
+                  <a:srgbClr val="ffffff"/>
+                </a:highlight>
+                <a:latin typeface="arial"/>
+                <a:ea typeface="arial"/>
+              </a:rPr>
+              <a:t>CSV: arquivo texto, separado por vírgulas</a:t>
+            </a:r>
             <a:endParaRPr b="0" lang="en-US" sz="2200" spc="-1" strike="noStrike">
               <a:latin typeface="Arial"/>
             </a:endParaRPr>
           </a:p>
           <a:p>
-            <a:pPr marL="457200" indent="-366480">
+            <a:pPr marL="457200" indent="-365760">
               <a:lnSpc>
                 <a:spcPct val="115000"/>
               </a:lnSpc>
@@ -6493,14 +7545,14 @@
                 <a:latin typeface="arial"/>
                 <a:ea typeface="arial"/>
               </a:rPr>
-              <a:t>CSV: arquivo texto, separado por vírgulas</a:t>
+              <a:t>TSV: arquivo texto, separado por tabulações</a:t>
             </a:r>
             <a:endParaRPr b="0" lang="en-US" sz="2200" spc="-1" strike="noStrike">
               <a:latin typeface="Arial"/>
             </a:endParaRPr>
           </a:p>
           <a:p>
-            <a:pPr marL="457200" indent="-366480">
+            <a:pPr marL="329040" indent="-365760">
               <a:lnSpc>
                 <a:spcPct val="115000"/>
               </a:lnSpc>
@@ -6521,14 +7573,14 @@
                 <a:latin typeface="arial"/>
                 <a:ea typeface="arial"/>
               </a:rPr>
-              <a:t>TSV: arquivo texto, separado por tabulações</a:t>
+              <a:t>Podem conter:</a:t>
             </a:r>
             <a:endParaRPr b="0" lang="en-US" sz="2200" spc="-1" strike="noStrike">
               <a:latin typeface="Arial"/>
             </a:endParaRPr>
           </a:p>
           <a:p>
-            <a:pPr marL="329040">
+            <a:pPr marL="768240" indent="-365760">
               <a:lnSpc>
                 <a:spcPct val="115000"/>
               </a:lnSpc>
@@ -6549,42 +7601,14 @@
                 <a:latin typeface="arial"/>
                 <a:ea typeface="arial"/>
               </a:rPr>
-              <a:t>Podem conter:</a:t>
+              <a:t>Cabeçalho (ou não) – header</a:t>
             </a:r>
             <a:endParaRPr b="0" lang="en-US" sz="2200" spc="-1" strike="noStrike">
               <a:latin typeface="Arial"/>
             </a:endParaRPr>
           </a:p>
           <a:p>
-            <a:pPr marL="768240">
-              <a:lnSpc>
-                <a:spcPct val="115000"/>
-              </a:lnSpc>
-              <a:buClr>
-                <a:srgbClr val="000000"/>
-              </a:buClr>
-              <a:buFont typeface="arial"/>
-              <a:buChar char="●"/>
-            </a:pPr>
-            <a:r>
-              <a:rPr b="0" lang="en-US" sz="2200" spc="-1" strike="noStrike">
-                <a:solidFill>
-                  <a:srgbClr val="000000"/>
-                </a:solidFill>
-                <a:highlight>
-                  <a:srgbClr val="ffffff"/>
-                </a:highlight>
-                <a:latin typeface="arial"/>
-                <a:ea typeface="arial"/>
-              </a:rPr>
-              <a:t>Cabeçalho (ou não) – header</a:t>
-            </a:r>
-            <a:endParaRPr b="0" lang="en-US" sz="2200" spc="-1" strike="noStrike">
-              <a:latin typeface="Arial"/>
-            </a:endParaRPr>
-          </a:p>
-          <a:p>
-            <a:pPr marL="768240">
+            <a:pPr marL="768240" indent="-365760">
               <a:lnSpc>
                 <a:spcPct val="115000"/>
               </a:lnSpc>
@@ -6652,7 +7676,7 @@
         <p:spPr>
           <a:xfrm>
             <a:off x="0" y="0"/>
-            <a:ext cx="10076400" cy="727920"/>
+            <a:ext cx="10075680" cy="727200"/>
           </a:xfrm>
           <a:prstGeom prst="rect">
             <a:avLst/>
@@ -6708,7 +7732,7 @@
         <p:spPr>
           <a:xfrm>
             <a:off x="136080" y="809280"/>
-            <a:ext cx="9005760" cy="468720"/>
+            <a:ext cx="9005040" cy="468000"/>
           </a:xfrm>
           <a:prstGeom prst="rect">
             <a:avLst/>
@@ -6772,14 +7796,14 @@
       </p:sp>
       <p:sp>
         <p:nvSpPr>
-          <p:cNvPr id="58" name="TextShape 3"/>
-          <p:cNvSpPr txBox="1"/>
+          <p:cNvPr id="58" name="CustomShape 3"/>
+          <p:cNvSpPr/>
           <p:nvPr/>
         </p:nvSpPr>
         <p:spPr>
           <a:xfrm>
             <a:off x="457200" y="768960"/>
-            <a:ext cx="9509760" cy="2487960"/>
+            <a:ext cx="9509040" cy="2487240"/>
           </a:xfrm>
           <a:prstGeom prst="rect">
             <a:avLst/>
@@ -6789,49 +7813,101 @@
             <a:noFill/>
           </a:ln>
         </p:spPr>
+        <p:style>
+          <a:lnRef idx="0"/>
+          <a:fillRef idx="0"/>
+          <a:effectRef idx="0"/>
+          <a:fontRef idx="minor"/>
+        </p:style>
         <p:txBody>
           <a:bodyPr lIns="90000" rIns="90000" tIns="45000" bIns="45000">
             <a:noAutofit/>
           </a:bodyPr>
           <a:p>
-            <a:r>
-              <a:rPr b="0" lang="en-US" sz="1400" spc="-1" strike="noStrike">
-                <a:latin typeface="arial"/>
+            <a:pPr>
+              <a:lnSpc>
+                <a:spcPct val="100000"/>
+              </a:lnSpc>
+            </a:pPr>
+            <a:r>
+              <a:rPr b="0" lang="en-US" sz="1400" spc="-1" strike="noStrike">
+                <a:solidFill>
+                  <a:srgbClr val="000000"/>
+                </a:solidFill>
+                <a:latin typeface="arial"/>
+                <a:ea typeface="DejaVu Sans"/>
               </a:rPr>
               <a:t># Dados de TB da WHO - </a:t>
             </a:r>
             <a:r>
-              <a:rPr b="0" lang="en-US" sz="1400" spc="-1" strike="noStrike">
-                <a:latin typeface="arial"/>
+              <a:rPr b="0" lang="en-US" sz="1400" spc="-1" strike="noStrike" u="sng">
+                <a:solidFill>
+                  <a:srgbClr val="0000ff"/>
+                </a:solidFill>
+                <a:uFillTx/>
+                <a:latin typeface="arial"/>
+                <a:ea typeface="DejaVu Sans"/>
                 <a:hlinkClick r:id="rId1"/>
               </a:rPr>
               <a:t>https://www.who.int/tb/country/data/download/en/</a:t>
             </a:r>
             <a:r>
               <a:rPr b="0" lang="en-US" sz="1400" spc="-1" strike="noStrike">
-                <a:latin typeface="arial"/>
+                <a:solidFill>
+                  <a:srgbClr val="0000ff"/>
+                </a:solidFill>
+                <a:latin typeface="arial"/>
+                <a:ea typeface="DejaVu Sans"/>
               </a:rPr>
               <a:t> </a:t>
             </a:r>
             <a:endParaRPr b="0" lang="en-US" sz="1400" spc="-1" strike="noStrike">
-              <a:latin typeface="arial"/>
-            </a:endParaRPr>
-          </a:p>
-          <a:p>
-            <a:r>
-              <a:rPr b="0" lang="en-US" sz="1400" spc="-1" strike="noStrike">
-                <a:latin typeface="arial"/>
+              <a:latin typeface="Arial"/>
+            </a:endParaRPr>
+          </a:p>
+          <a:p>
+            <a:pPr>
+              <a:lnSpc>
+                <a:spcPct val="100000"/>
+              </a:lnSpc>
+            </a:pPr>
+            <a:endParaRPr b="0" lang="en-US" sz="1400" spc="-1" strike="noStrike">
+              <a:latin typeface="Arial"/>
+            </a:endParaRPr>
+          </a:p>
+          <a:p>
+            <a:pPr>
+              <a:lnSpc>
+                <a:spcPct val="100000"/>
+              </a:lnSpc>
+            </a:pPr>
+            <a:r>
+              <a:rPr b="0" lang="en-US" sz="1400" spc="-1" strike="noStrike">
+                <a:solidFill>
+                  <a:srgbClr val="000000"/>
+                </a:solidFill>
+                <a:latin typeface="arial"/>
+                <a:ea typeface="DejaVu Sans"/>
               </a:rPr>
               <a:t>fname = "../data/TB_outcomes_2020-09-11.csv"</a:t>
             </a:r>
             <a:endParaRPr b="0" lang="en-US" sz="1400" spc="-1" strike="noStrike">
-              <a:latin typeface="arial"/>
-            </a:endParaRPr>
-          </a:p>
-          <a:p>
-            <a:r>
-              <a:rPr b="0" lang="en-US" sz="1400" spc="-1" strike="noStrike">
-                <a:latin typeface="arial"/>
+              <a:latin typeface="Arial"/>
+            </a:endParaRPr>
+          </a:p>
+          <a:p>
+            <a:pPr>
+              <a:lnSpc>
+                <a:spcPct val="100000"/>
+              </a:lnSpc>
+            </a:pPr>
+            <a:r>
+              <a:rPr b="0" lang="en-US" sz="1400" spc="-1" strike="noStrike">
+                <a:solidFill>
+                  <a:srgbClr val="000000"/>
+                </a:solidFill>
+                <a:latin typeface="arial"/>
+                <a:ea typeface="DejaVu Sans"/>
               </a:rPr>
               <a:t>os.path.exists(fname)</a:t>
             </a:r>
@@ -6840,14 +7916,28 @@
             </a:endParaRPr>
           </a:p>
           <a:p>
+            <a:pPr>
+              <a:lnSpc>
+                <a:spcPct val="100000"/>
+              </a:lnSpc>
+            </a:pPr>
             <a:endParaRPr b="0" lang="en-US" sz="1400" spc="-1" strike="noStrike">
               <a:latin typeface="Arial"/>
             </a:endParaRPr>
           </a:p>
           <a:p>
-            <a:r>
-              <a:rPr b="0" lang="en-US" sz="1400" spc="-1" strike="noStrike">
-                <a:latin typeface="arial"/>
+            <a:pPr>
+              <a:lnSpc>
+                <a:spcPct val="100000"/>
+              </a:lnSpc>
+            </a:pPr>
+            <a:r>
+              <a:rPr b="0" lang="en-US" sz="1400" spc="-1" strike="noStrike">
+                <a:solidFill>
+                  <a:srgbClr val="000000"/>
+                </a:solidFill>
+                <a:latin typeface="arial"/>
+                <a:ea typeface="DejaVu Sans"/>
               </a:rPr>
               <a:t># carregando a biblioteca/pacote pandas</a:t>
             </a:r>
@@ -6856,9 +7946,18 @@
             </a:endParaRPr>
           </a:p>
           <a:p>
-            <a:r>
-              <a:rPr b="0" lang="en-US" sz="1400" spc="-1" strike="noStrike">
-                <a:latin typeface="arial"/>
+            <a:pPr>
+              <a:lnSpc>
+                <a:spcPct val="100000"/>
+              </a:lnSpc>
+            </a:pPr>
+            <a:r>
+              <a:rPr b="0" lang="en-US" sz="1400" spc="-1" strike="noStrike">
+                <a:solidFill>
+                  <a:srgbClr val="000000"/>
+                </a:solidFill>
+                <a:latin typeface="arial"/>
+                <a:ea typeface="DejaVu Sans"/>
               </a:rPr>
               <a:t>import pandas as pd</a:t>
             </a:r>
@@ -6867,14 +7966,28 @@
             </a:endParaRPr>
           </a:p>
           <a:p>
+            <a:pPr>
+              <a:lnSpc>
+                <a:spcPct val="100000"/>
+              </a:lnSpc>
+            </a:pPr>
             <a:endParaRPr b="0" lang="en-US" sz="1400" spc="-1" strike="noStrike">
               <a:latin typeface="Arial"/>
             </a:endParaRPr>
           </a:p>
           <a:p>
-            <a:r>
-              <a:rPr b="0" lang="en-US" sz="1400" spc="-1" strike="noStrike">
-                <a:latin typeface="arial"/>
+            <a:pPr>
+              <a:lnSpc>
+                <a:spcPct val="100000"/>
+              </a:lnSpc>
+            </a:pPr>
+            <a:r>
+              <a:rPr b="0" lang="en-US" sz="1400" spc="-1" strike="noStrike">
+                <a:solidFill>
+                  <a:srgbClr val="000000"/>
+                </a:solidFill>
+                <a:latin typeface="arial"/>
+                <a:ea typeface="DejaVu Sans"/>
               </a:rPr>
               <a:t>df = pd.read_csv(fname)</a:t>
             </a:r>
@@ -6883,9 +7996,18 @@
             </a:endParaRPr>
           </a:p>
           <a:p>
-            <a:r>
-              <a:rPr b="0" lang="en-US" sz="1400" spc="-1" strike="noStrike">
-                <a:latin typeface="arial"/>
+            <a:pPr>
+              <a:lnSpc>
+                <a:spcPct val="100000"/>
+              </a:lnSpc>
+            </a:pPr>
+            <a:r>
+              <a:rPr b="0" lang="en-US" sz="1400" spc="-1" strike="noStrike">
+                <a:solidFill>
+                  <a:srgbClr val="000000"/>
+                </a:solidFill>
+                <a:latin typeface="arial"/>
+                <a:ea typeface="DejaVu Sans"/>
               </a:rPr>
               <a:t># linhas e colunas == shape</a:t>
             </a:r>
@@ -6894,9 +8016,18 @@
             </a:endParaRPr>
           </a:p>
           <a:p>
-            <a:r>
-              <a:rPr b="0" lang="en-US" sz="1400" spc="-1" strike="noStrike">
-                <a:latin typeface="arial"/>
+            <a:pPr>
+              <a:lnSpc>
+                <a:spcPct val="100000"/>
+              </a:lnSpc>
+            </a:pPr>
+            <a:r>
+              <a:rPr b="0" lang="en-US" sz="1400" spc="-1" strike="noStrike">
+                <a:solidFill>
+                  <a:srgbClr val="000000"/>
+                </a:solidFill>
+                <a:latin typeface="arial"/>
+                <a:ea typeface="DejaVu Sans"/>
               </a:rPr>
               <a:t>print(df.shape)</a:t>
             </a:r>
@@ -6905,14 +8036,28 @@
             </a:endParaRPr>
           </a:p>
           <a:p>
+            <a:pPr>
+              <a:lnSpc>
+                <a:spcPct val="100000"/>
+              </a:lnSpc>
+            </a:pPr>
             <a:endParaRPr b="0" lang="en-US" sz="1400" spc="-1" strike="noStrike">
               <a:latin typeface="Arial"/>
             </a:endParaRPr>
           </a:p>
           <a:p>
-            <a:r>
-              <a:rPr b="0" lang="en-US" sz="1400" spc="-1" strike="noStrike">
-                <a:latin typeface="arial"/>
+            <a:pPr>
+              <a:lnSpc>
+                <a:spcPct val="100000"/>
+              </a:lnSpc>
+            </a:pPr>
+            <a:r>
+              <a:rPr b="0" lang="en-US" sz="1400" spc="-1" strike="noStrike">
+                <a:solidFill>
+                  <a:srgbClr val="000000"/>
+                </a:solidFill>
+                <a:latin typeface="arial"/>
+                <a:ea typeface="DejaVu Sans"/>
               </a:rPr>
               <a:t>df.head()</a:t>
             </a:r>
@@ -6934,8 +8079,8 @@
         </p:blipFill>
         <p:spPr>
           <a:xfrm>
-            <a:off x="-113400" y="3474720"/>
-            <a:ext cx="10080360" cy="2105280"/>
+            <a:off x="-5400" y="3618720"/>
+            <a:ext cx="10079640" cy="2104560"/>
           </a:xfrm>
           <a:prstGeom prst="rect">
             <a:avLst/>
@@ -6984,7 +8129,7 @@
         <p:spPr>
           <a:xfrm>
             <a:off x="0" y="0"/>
-            <a:ext cx="10076400" cy="727920"/>
+            <a:ext cx="10075680" cy="727200"/>
           </a:xfrm>
           <a:prstGeom prst="rect">
             <a:avLst/>
@@ -7023,17 +8168,7 @@
                 <a:latin typeface="arial"/>
                 <a:ea typeface="arial"/>
               </a:rPr>
-              <a:t>Como abrir um arquivo </a:t>
-            </a:r>
-            <a:r>
-              <a:rPr b="1" lang="en-US" sz="2600" spc="-1" strike="noStrike">
-                <a:solidFill>
-                  <a:srgbClr val="355269"/>
-                </a:solidFill>
-                <a:latin typeface="arial"/>
-                <a:ea typeface="arial"/>
-              </a:rPr>
-              <a:t>remotamente CSV ou TSV</a:t>
+              <a:t>Como abrir um arquivo remotamente CSV ou TSV</a:t>
             </a:r>
             <a:endParaRPr b="0" lang="en-US" sz="2600" spc="-1" strike="noStrike">
               <a:latin typeface="Arial"/>
@@ -7050,7 +8185,7 @@
         <p:spPr>
           <a:xfrm>
             <a:off x="136080" y="809280"/>
-            <a:ext cx="9005760" cy="468720"/>
+            <a:ext cx="9005040" cy="468000"/>
           </a:xfrm>
           <a:prstGeom prst="rect">
             <a:avLst/>
@@ -7114,14 +8249,14 @@
       </p:sp>
       <p:sp>
         <p:nvSpPr>
-          <p:cNvPr id="62" name="TextShape 3"/>
-          <p:cNvSpPr txBox="1"/>
+          <p:cNvPr id="62" name="CustomShape 3"/>
+          <p:cNvSpPr/>
           <p:nvPr/>
         </p:nvSpPr>
         <p:spPr>
           <a:xfrm>
             <a:off x="457200" y="769320"/>
-            <a:ext cx="9509760" cy="1699560"/>
+            <a:ext cx="9509040" cy="1698840"/>
           </a:xfrm>
           <a:prstGeom prst="rect">
             <a:avLst/>
@@ -7131,77 +8266,116 @@
             <a:noFill/>
           </a:ln>
         </p:spPr>
+        <p:style>
+          <a:lnRef idx="0"/>
+          <a:fillRef idx="0"/>
+          <a:effectRef idx="0"/>
+          <a:fontRef idx="minor"/>
+        </p:style>
         <p:txBody>
           <a:bodyPr lIns="90000" rIns="90000" tIns="45000" bIns="45000">
             <a:noAutofit/>
           </a:bodyPr>
           <a:p>
-            <a:r>
-              <a:rPr b="0" lang="en-US" sz="1400" spc="-1" strike="noStrike">
-                <a:latin typeface="arial"/>
+            <a:pPr>
+              <a:lnSpc>
+                <a:spcPct val="100000"/>
+              </a:lnSpc>
+            </a:pPr>
+            <a:r>
+              <a:rPr b="0" lang="en-US" sz="1400" spc="-1" strike="noStrike">
+                <a:solidFill>
+                  <a:srgbClr val="000000"/>
+                </a:solidFill>
+                <a:latin typeface="arial"/>
+                <a:ea typeface="DejaVu Sans"/>
               </a:rPr>
               <a:t>url = '</a:t>
             </a:r>
             <a:r>
-              <a:rPr b="0" lang="en-US" sz="1400" spc="-1" strike="noStrike">
-                <a:latin typeface="arial"/>
+              <a:rPr b="0" lang="en-US" sz="1400" spc="-1" strike="noStrike" u="sng">
+                <a:solidFill>
+                  <a:srgbClr val="0000ff"/>
+                </a:solidFill>
+                <a:uFillTx/>
+                <a:latin typeface="arial"/>
+                <a:ea typeface="DejaVu Sans"/>
                 <a:hlinkClick r:id="rId1"/>
               </a:rPr>
               <a:t>https://apps.who.int/gho/athena/data/GHO/WHOSIS_000004?filter=COUNTRY:-;REGION:*&amp;x-sideaxis=REGION;YEAR&amp;x-topaxis=GHO;SEX&amp;profile=crosstable&amp;format=csv</a:t>
             </a:r>
             <a:r>
               <a:rPr b="0" lang="en-US" sz="1400" spc="-1" strike="noStrike">
-                <a:latin typeface="arial"/>
+                <a:solidFill>
+                  <a:srgbClr val="0000ff"/>
+                </a:solidFill>
+                <a:latin typeface="arial"/>
+                <a:ea typeface="DejaVu Sans"/>
               </a:rPr>
               <a:t>'</a:t>
             </a:r>
             <a:endParaRPr b="0" lang="en-US" sz="1400" spc="-1" strike="noStrike">
-              <a:latin typeface="arial"/>
-            </a:endParaRPr>
-          </a:p>
-          <a:p>
-            <a:r>
-              <a:rPr b="0" lang="en-US" sz="1400" spc="-1" strike="noStrike">
-                <a:latin typeface="arial"/>
+              <a:latin typeface="Arial"/>
+            </a:endParaRPr>
+          </a:p>
+          <a:p>
+            <a:pPr>
+              <a:lnSpc>
+                <a:spcPct val="100000"/>
+              </a:lnSpc>
+            </a:pPr>
+            <a:r>
+              <a:rPr b="0" lang="en-US" sz="1400" spc="-1" strike="noStrike">
+                <a:solidFill>
+                  <a:srgbClr val="0000ff"/>
+                </a:solidFill>
+                <a:latin typeface="arial"/>
+                <a:ea typeface="DejaVu Sans"/>
               </a:rPr>
               <a:t>#-- adult mortality</a:t>
             </a:r>
             <a:endParaRPr b="0" lang="en-US" sz="1400" spc="-1" strike="noStrike">
-              <a:latin typeface="arial"/>
-            </a:endParaRPr>
-          </a:p>
-          <a:p>
-            <a:r>
-              <a:rPr b="0" lang="en-US" sz="1400" spc="-1" strike="noStrike">
-                <a:latin typeface="arial"/>
+              <a:latin typeface="Arial"/>
+            </a:endParaRPr>
+          </a:p>
+          <a:p>
+            <a:pPr>
+              <a:lnSpc>
+                <a:spcPct val="100000"/>
+              </a:lnSpc>
+            </a:pPr>
+            <a:r>
+              <a:rPr b="0" lang="en-US" sz="1400" spc="-1" strike="noStrike">
+                <a:solidFill>
+                  <a:srgbClr val="0000ff"/>
+                </a:solidFill>
+                <a:latin typeface="arial"/>
+                <a:ea typeface="DejaVu Sans"/>
               </a:rPr>
               <a:t>dfam = pd.read_csv(url)</a:t>
             </a:r>
             <a:endParaRPr b="0" lang="en-US" sz="1400" spc="-1" strike="noStrike">
-              <a:latin typeface="arial"/>
-            </a:endParaRPr>
-          </a:p>
-          <a:p>
-            <a:pPr>
-              <a:lnSpc>
-                <a:spcPct val="100000"/>
-              </a:lnSpc>
-            </a:pPr>
-            <a:r>
-              <a:rPr b="0" lang="en-US" sz="1400" spc="-1" strike="noStrike">
+              <a:latin typeface="Arial"/>
+            </a:endParaRPr>
+          </a:p>
+          <a:p>
+            <a:pPr>
+              <a:lnSpc>
+                <a:spcPct val="100000"/>
+              </a:lnSpc>
+            </a:pPr>
+            <a:r>
+              <a:rPr b="0" lang="en-US" sz="1400" spc="-1" strike="noStrike">
+                <a:solidFill>
+                  <a:srgbClr val="0000ff"/>
+                </a:solidFill>
                 <a:latin typeface="arial"/>
                 <a:ea typeface="Noto Sans CJK SC"/>
               </a:rPr>
-              <a:t>print(</a:t>
-            </a:r>
-            <a:r>
-              <a:rPr b="0" lang="en-US" sz="1400" spc="-1" strike="noStrike">
-                <a:latin typeface="arial"/>
-              </a:rPr>
-              <a:t>dfam.shape)</a:t>
+              <a:t>print(dfam.shape)</a:t>
             </a:r>
             <a:endParaRPr b="0" lang="en-US" sz="1400" spc="-1" strike="noStrike">
-              <a:latin typeface="arial"/>
+              <a:latin typeface="Arial"/>
             </a:endParaRPr>
           </a:p>
           <a:p>
@@ -7211,23 +8385,27 @@
               </a:lnSpc>
             </a:pPr>
             <a:endParaRPr b="0" lang="en-US" sz="1400" spc="-1" strike="noStrike">
-              <a:latin typeface="arial"/>
-            </a:endParaRPr>
-          </a:p>
-          <a:p>
-            <a:pPr>
-              <a:lnSpc>
-                <a:spcPct val="100000"/>
-              </a:lnSpc>
-            </a:pPr>
-            <a:r>
-              <a:rPr b="0" lang="en-US" sz="1400" spc="-1" strike="noStrike">
-                <a:latin typeface="arial"/>
+              <a:latin typeface="Arial"/>
+            </a:endParaRPr>
+          </a:p>
+          <a:p>
+            <a:pPr>
+              <a:lnSpc>
+                <a:spcPct val="100000"/>
+              </a:lnSpc>
+            </a:pPr>
+            <a:r>
+              <a:rPr b="0" lang="en-US" sz="1400" spc="-1" strike="noStrike">
+                <a:solidFill>
+                  <a:srgbClr val="0000ff"/>
+                </a:solidFill>
+                <a:latin typeface="arial"/>
+                <a:ea typeface="Noto Sans CJK SC"/>
               </a:rPr>
               <a:t>dfam.head()</a:t>
             </a:r>
             <a:endParaRPr b="0" lang="en-US" sz="1400" spc="-1" strike="noStrike">
-              <a:latin typeface="arial"/>
+              <a:latin typeface="Arial"/>
             </a:endParaRPr>
           </a:p>
         </p:txBody>
@@ -7245,7 +8423,7 @@
         <p:spPr>
           <a:xfrm>
             <a:off x="360" y="2884320"/>
-            <a:ext cx="10080360" cy="2082600"/>
+            <a:ext cx="10079640" cy="2081880"/>
           </a:xfrm>
           <a:prstGeom prst="rect">
             <a:avLst/>
@@ -7294,7 +8472,7 @@
         <p:spPr>
           <a:xfrm>
             <a:off x="0" y="0"/>
-            <a:ext cx="10076400" cy="727920"/>
+            <a:ext cx="10075680" cy="727200"/>
           </a:xfrm>
           <a:prstGeom prst="rect">
             <a:avLst/>
@@ -7356,10 +8534,11 @@
               <a:t>(veja </a:t>
             </a:r>
             <a:r>
-              <a:rPr b="0" lang="en-US" sz="2000" spc="-1" strike="noStrike">
-                <a:solidFill>
-                  <a:srgbClr val="355269"/>
-                </a:solidFill>
+              <a:rPr b="0" lang="en-US" sz="2000" spc="-1" strike="noStrike" u="sng">
+                <a:solidFill>
+                  <a:srgbClr val="0000ff"/>
+                </a:solidFill>
+                <a:uFillTx/>
                 <a:latin typeface="arial"/>
                 <a:ea typeface="arial"/>
                 <a:hlinkClick r:id="rId1"/>
@@ -7391,7 +8570,7 @@
         <p:spPr>
           <a:xfrm>
             <a:off x="136080" y="809280"/>
-            <a:ext cx="9005760" cy="468720"/>
+            <a:ext cx="9005040" cy="468000"/>
           </a:xfrm>
           <a:prstGeom prst="rect">
             <a:avLst/>
@@ -7455,14 +8634,14 @@
       </p:sp>
       <p:sp>
         <p:nvSpPr>
-          <p:cNvPr id="66" name="TextShape 3"/>
-          <p:cNvSpPr txBox="1"/>
+          <p:cNvPr id="66" name="CustomShape 3"/>
+          <p:cNvSpPr/>
           <p:nvPr/>
         </p:nvSpPr>
         <p:spPr>
           <a:xfrm>
             <a:off x="1715040" y="1257840"/>
-            <a:ext cx="7703280" cy="4276080"/>
+            <a:ext cx="7702560" cy="4275360"/>
           </a:xfrm>
           <a:prstGeom prst="rect">
             <a:avLst/>
@@ -7472,102 +8651,184 @@
             <a:noFill/>
           </a:ln>
         </p:spPr>
+        <p:style>
+          <a:lnRef idx="0"/>
+          <a:fillRef idx="0"/>
+          <a:effectRef idx="0"/>
+          <a:fontRef idx="minor"/>
+        </p:style>
         <p:txBody>
           <a:bodyPr lIns="90000" rIns="90000" tIns="45000" bIns="45000">
             <a:noAutofit/>
           </a:bodyPr>
           <a:p>
-            <a:r>
-              <a:rPr b="0" lang="en-US" sz="1400" spc="-1" strike="noStrike">
-                <a:latin typeface="arial"/>
+            <a:pPr>
+              <a:lnSpc>
+                <a:spcPct val="100000"/>
+              </a:lnSpc>
+            </a:pPr>
+            <a:r>
+              <a:rPr b="0" lang="en-US" sz="1400" spc="-1" strike="noStrike">
+                <a:solidFill>
+                  <a:srgbClr val="000000"/>
+                </a:solidFill>
+                <a:latin typeface="arial"/>
+                <a:ea typeface="DejaVu Sans"/>
               </a:rPr>
               <a:t>&lt;!DOCTYPE html&gt;</a:t>
             </a:r>
             <a:endParaRPr b="0" lang="en-US" sz="1400" spc="-1" strike="noStrike">
-              <a:latin typeface="arial"/>
-            </a:endParaRPr>
-          </a:p>
-          <a:p>
-            <a:r>
-              <a:rPr b="0" lang="en-US" sz="1400" spc="-1" strike="noStrike">
-                <a:latin typeface="arial"/>
+              <a:latin typeface="Arial"/>
+            </a:endParaRPr>
+          </a:p>
+          <a:p>
+            <a:pPr>
+              <a:lnSpc>
+                <a:spcPct val="100000"/>
+              </a:lnSpc>
+            </a:pPr>
+            <a:r>
+              <a:rPr b="0" lang="en-US" sz="1400" spc="-1" strike="noStrike">
+                <a:solidFill>
+                  <a:srgbClr val="000000"/>
+                </a:solidFill>
+                <a:latin typeface="arial"/>
+                <a:ea typeface="DejaVu Sans"/>
               </a:rPr>
               <a:t>&lt;html&gt;</a:t>
             </a:r>
             <a:endParaRPr b="0" lang="en-US" sz="1400" spc="-1" strike="noStrike">
-              <a:latin typeface="arial"/>
-            </a:endParaRPr>
-          </a:p>
-          <a:p>
-            <a:r>
-              <a:rPr b="0" lang="en-US" sz="1400" spc="-1" strike="noStrike">
-                <a:latin typeface="arial"/>
+              <a:latin typeface="Arial"/>
+            </a:endParaRPr>
+          </a:p>
+          <a:p>
+            <a:pPr>
+              <a:lnSpc>
+                <a:spcPct val="100000"/>
+              </a:lnSpc>
+            </a:pPr>
+            <a:r>
+              <a:rPr b="0" lang="en-US" sz="1400" spc="-1" strike="noStrike">
+                <a:solidFill>
+                  <a:srgbClr val="000000"/>
+                </a:solidFill>
+                <a:latin typeface="arial"/>
+                <a:ea typeface="DejaVu Sans"/>
               </a:rPr>
               <a:t>&lt;head&gt;</a:t>
             </a:r>
             <a:endParaRPr b="0" lang="en-US" sz="1400" spc="-1" strike="noStrike">
-              <a:latin typeface="arial"/>
-            </a:endParaRPr>
-          </a:p>
-          <a:p>
-            <a:r>
-              <a:rPr b="0" lang="en-US" sz="1400" spc="-1" strike="noStrike">
-                <a:latin typeface="arial"/>
+              <a:latin typeface="Arial"/>
+            </a:endParaRPr>
+          </a:p>
+          <a:p>
+            <a:pPr>
+              <a:lnSpc>
+                <a:spcPct val="100000"/>
+              </a:lnSpc>
+            </a:pPr>
+            <a:r>
+              <a:rPr b="0" lang="en-US" sz="1400" spc="-1" strike="noStrike">
+                <a:solidFill>
+                  <a:srgbClr val="000000"/>
+                </a:solidFill>
+                <a:latin typeface="arial"/>
+                <a:ea typeface="DejaVu Sans"/>
               </a:rPr>
               <a:t>  </a:t>
             </a:r>
             <a:r>
               <a:rPr b="0" lang="en-US" sz="1400" spc="-1" strike="noStrike">
-                <a:latin typeface="arial"/>
+                <a:solidFill>
+                  <a:srgbClr val="000000"/>
+                </a:solidFill>
+                <a:latin typeface="arial"/>
+                <a:ea typeface="DejaVu Sans"/>
               </a:rPr>
               <a:t>&lt;meta http-equiv="Content-Type" content="text/html; charset=UTF-8" /&gt;</a:t>
             </a:r>
             <a:endParaRPr b="0" lang="en-US" sz="1400" spc="-1" strike="noStrike">
-              <a:latin typeface="arial"/>
-            </a:endParaRPr>
-          </a:p>
-          <a:p>
-            <a:r>
-              <a:rPr b="0" lang="en-US" sz="1400" spc="-1" strike="noStrike">
-                <a:latin typeface="arial"/>
+              <a:latin typeface="Arial"/>
+            </a:endParaRPr>
+          </a:p>
+          <a:p>
+            <a:pPr>
+              <a:lnSpc>
+                <a:spcPct val="100000"/>
+              </a:lnSpc>
+            </a:pPr>
+            <a:r>
+              <a:rPr b="0" lang="en-US" sz="1400" spc="-1" strike="noStrike">
+                <a:solidFill>
+                  <a:srgbClr val="000000"/>
+                </a:solidFill>
+                <a:latin typeface="arial"/>
+                <a:ea typeface="DejaVu Sans"/>
               </a:rPr>
               <a:t>  </a:t>
             </a:r>
             <a:r>
               <a:rPr b="0" lang="en-US" sz="1400" spc="-1" strike="noStrike">
-                <a:latin typeface="arial"/>
+                <a:solidFill>
+                  <a:srgbClr val="000000"/>
+                </a:solidFill>
+                <a:latin typeface="arial"/>
+                <a:ea typeface="DejaVu Sans"/>
               </a:rPr>
               <a:t>&lt;title&gt;Aqui vai um titulo qualquer&lt;/title&gt;</a:t>
             </a:r>
             <a:endParaRPr b="0" lang="en-US" sz="1400" spc="-1" strike="noStrike">
-              <a:latin typeface="arial"/>
-            </a:endParaRPr>
-          </a:p>
-          <a:p>
-            <a:r>
-              <a:rPr b="0" lang="en-US" sz="1400" spc="-1" strike="noStrike">
-                <a:latin typeface="arial"/>
+              <a:latin typeface="Arial"/>
+            </a:endParaRPr>
+          </a:p>
+          <a:p>
+            <a:pPr>
+              <a:lnSpc>
+                <a:spcPct val="100000"/>
+              </a:lnSpc>
+            </a:pPr>
+            <a:r>
+              <a:rPr b="0" lang="en-US" sz="1400" spc="-1" strike="noStrike">
+                <a:solidFill>
+                  <a:srgbClr val="000000"/>
+                </a:solidFill>
+                <a:latin typeface="arial"/>
+                <a:ea typeface="DejaVu Sans"/>
               </a:rPr>
               <a:t>&lt;/head&gt;</a:t>
             </a:r>
             <a:endParaRPr b="0" lang="en-US" sz="1400" spc="-1" strike="noStrike">
-              <a:latin typeface="arial"/>
-            </a:endParaRPr>
-          </a:p>
-          <a:p>
-            <a:r>
-              <a:rPr b="0" lang="en-US" sz="1400" spc="-1" strike="noStrike">
-                <a:latin typeface="arial"/>
+              <a:latin typeface="Arial"/>
+            </a:endParaRPr>
+          </a:p>
+          <a:p>
+            <a:pPr>
+              <a:lnSpc>
+                <a:spcPct val="100000"/>
+              </a:lnSpc>
+            </a:pPr>
+            <a:r>
+              <a:rPr b="0" lang="en-US" sz="1400" spc="-1" strike="noStrike">
+                <a:solidFill>
+                  <a:srgbClr val="000000"/>
+                </a:solidFill>
+                <a:latin typeface="arial"/>
+                <a:ea typeface="DejaVu Sans"/>
               </a:rPr>
               <a:t>&lt;body&gt;</a:t>
             </a:r>
             <a:endParaRPr b="0" lang="en-US" sz="1400" spc="-1" strike="noStrike">
-              <a:latin typeface="arial"/>
-            </a:endParaRPr>
-          </a:p>
-          <a:p>
+              <a:latin typeface="Arial"/>
+            </a:endParaRPr>
+          </a:p>
+          <a:p>
+            <a:pPr>
+              <a:lnSpc>
+                <a:spcPct val="100000"/>
+              </a:lnSpc>
+            </a:pPr>
             <a:endParaRPr b="0" lang="en-US" sz="1400" spc="-1" strike="noStrike">
-              <a:latin typeface="arial"/>
+              <a:latin typeface="Arial"/>
             </a:endParaRPr>
           </a:p>
           <a:p>
@@ -7584,12 +8845,16 @@
             </a:pPr>
             <a:r>
               <a:rPr b="0" lang="en-US" sz="1400" spc="-1" strike="noStrike">
-                <a:latin typeface="arial"/>
+                <a:solidFill>
+                  <a:srgbClr val="000000"/>
+                </a:solidFill>
+                <a:latin typeface="arial"/>
+                <a:ea typeface="DejaVu Sans"/>
               </a:rPr>
               <a:t>&lt;h1&gt;Primeiro cabeçalho&lt;/h1&gt;</a:t>
             </a:r>
             <a:endParaRPr b="0" lang="en-US" sz="1400" spc="-1" strike="noStrike">
-              <a:latin typeface="arial"/>
+              <a:latin typeface="Arial"/>
             </a:endParaRPr>
           </a:p>
           <a:p>
@@ -7606,12 +8871,16 @@
             </a:pPr>
             <a:r>
               <a:rPr b="0" lang="en-US" sz="1400" spc="-1" strike="noStrike">
-                <a:latin typeface="arial"/>
+                <a:solidFill>
+                  <a:srgbClr val="000000"/>
+                </a:solidFill>
+                <a:latin typeface="arial"/>
+                <a:ea typeface="DejaVu Sans"/>
               </a:rPr>
               <a:t>&lt;h3&gt;Primeiro cabeçalho&lt;/h3&gt;</a:t>
             </a:r>
             <a:endParaRPr b="0" lang="en-US" sz="1400" spc="-1" strike="noStrike">
-              <a:latin typeface="arial"/>
+              <a:latin typeface="Arial"/>
             </a:endParaRPr>
           </a:p>
           <a:p>
@@ -7628,53 +8897,80 @@
             </a:pPr>
             <a:r>
               <a:rPr b="0" lang="en-US" sz="1400" spc="-1" strike="noStrike">
-                <a:latin typeface="arial"/>
+                <a:solidFill>
+                  <a:srgbClr val="000000"/>
+                </a:solidFill>
+                <a:latin typeface="arial"/>
+                <a:ea typeface="DejaVu Sans"/>
               </a:rPr>
               <a:t>&lt;p&gt;Parágrafo simples ...&lt;/p&gt;</a:t>
             </a:r>
             <a:endParaRPr b="0" lang="en-US" sz="1400" spc="-1" strike="noStrike">
-              <a:latin typeface="arial"/>
-            </a:endParaRPr>
-          </a:p>
-          <a:p>
+              <a:latin typeface="Arial"/>
+            </a:endParaRPr>
+          </a:p>
+          <a:p>
+            <a:pPr>
+              <a:lnSpc>
+                <a:spcPct val="100000"/>
+              </a:lnSpc>
+            </a:pPr>
             <a:endParaRPr b="0" lang="en-US" sz="1400" spc="-1" strike="noStrike">
-              <a:latin typeface="arial"/>
-            </a:endParaRPr>
-          </a:p>
-          <a:p>
-            <a:r>
-              <a:rPr b="0" lang="en-US" sz="1400" spc="-1" strike="noStrike">
-                <a:latin typeface="arial"/>
+              <a:latin typeface="Arial"/>
+            </a:endParaRPr>
+          </a:p>
+          <a:p>
+            <a:pPr>
+              <a:lnSpc>
+                <a:spcPct val="100000"/>
+              </a:lnSpc>
+            </a:pPr>
+            <a:r>
+              <a:rPr b="0" lang="en-US" sz="1400" spc="-1" strike="noStrike">
+                <a:solidFill>
+                  <a:srgbClr val="000000"/>
+                </a:solidFill>
+                <a:latin typeface="arial"/>
+                <a:ea typeface="DejaVu Sans"/>
               </a:rPr>
               <a:t>&lt;/body&gt;</a:t>
             </a:r>
             <a:endParaRPr b="0" lang="en-US" sz="1400" spc="-1" strike="noStrike">
-              <a:latin typeface="arial"/>
-            </a:endParaRPr>
-          </a:p>
-          <a:p>
-            <a:r>
-              <a:rPr b="0" lang="en-US" sz="1400" spc="-1" strike="noStrike">
-                <a:latin typeface="arial"/>
+              <a:latin typeface="Arial"/>
+            </a:endParaRPr>
+          </a:p>
+          <a:p>
+            <a:pPr>
+              <a:lnSpc>
+                <a:spcPct val="100000"/>
+              </a:lnSpc>
+            </a:pPr>
+            <a:r>
+              <a:rPr b="0" lang="en-US" sz="1400" spc="-1" strike="noStrike">
+                <a:solidFill>
+                  <a:srgbClr val="000000"/>
+                </a:solidFill>
+                <a:latin typeface="arial"/>
+                <a:ea typeface="DejaVu Sans"/>
               </a:rPr>
               <a:t>&lt;/html&gt;</a:t>
             </a:r>
             <a:endParaRPr b="0" lang="en-US" sz="1400" spc="-1" strike="noStrike">
-              <a:latin typeface="arial"/>
+              <a:latin typeface="Arial"/>
             </a:endParaRPr>
           </a:p>
         </p:txBody>
       </p:sp>
       <p:sp>
         <p:nvSpPr>
-          <p:cNvPr id="67" name="TextShape 4"/>
-          <p:cNvSpPr txBox="1"/>
+          <p:cNvPr id="67" name="CustomShape 4"/>
+          <p:cNvSpPr/>
           <p:nvPr/>
         </p:nvSpPr>
         <p:spPr>
           <a:xfrm>
             <a:off x="357120" y="5395320"/>
-            <a:ext cx="9426960" cy="290520"/>
+            <a:ext cx="9426240" cy="289800"/>
           </a:xfrm>
           <a:prstGeom prst="rect">
             <a:avLst/>
@@ -7684,14 +8980,29 @@
             <a:noFill/>
           </a:ln>
         </p:spPr>
+        <p:style>
+          <a:lnRef idx="0"/>
+          <a:fillRef idx="0"/>
+          <a:effectRef idx="0"/>
+          <a:fontRef idx="minor"/>
+        </p:style>
         <p:txBody>
           <a:bodyPr lIns="90000" rIns="90000" tIns="45000" bIns="45000">
             <a:noAutofit/>
           </a:bodyPr>
           <a:p>
-            <a:r>
-              <a:rPr b="0" lang="en-US" sz="1400" spc="-1" strike="noStrike">
-                <a:latin typeface="arial"/>
+            <a:pPr>
+              <a:lnSpc>
+                <a:spcPct val="100000"/>
+              </a:lnSpc>
+            </a:pPr>
+            <a:r>
+              <a:rPr b="0" lang="en-US" sz="1400" spc="-1" strike="noStrike">
+                <a:solidFill>
+                  <a:srgbClr val="000000"/>
+                </a:solidFill>
+                <a:latin typeface="arial"/>
+                <a:ea typeface="DejaVu Sans"/>
               </a:rPr>
               <a:t>Exercício: salve este texto num arquivo texto, nomeie-o “arquivo.html”, arraste no browse (navagador) </a:t>
             </a:r>
@@ -7703,14 +9014,14 @@
       </p:sp>
       <p:sp>
         <p:nvSpPr>
-          <p:cNvPr id="68" name="TextShape 5"/>
-          <p:cNvSpPr txBox="1"/>
+          <p:cNvPr id="68" name="CustomShape 5"/>
+          <p:cNvSpPr/>
           <p:nvPr/>
         </p:nvSpPr>
         <p:spPr>
           <a:xfrm>
             <a:off x="274320" y="809280"/>
-            <a:ext cx="9601200" cy="373680"/>
+            <a:ext cx="9600480" cy="372960"/>
           </a:xfrm>
           <a:prstGeom prst="rect">
             <a:avLst/>
@@ -7720,11 +9031,22 @@
             <a:noFill/>
           </a:ln>
         </p:spPr>
+        <p:style>
+          <a:lnRef idx="0"/>
+          <a:fillRef idx="0"/>
+          <a:effectRef idx="0"/>
+          <a:fontRef idx="minor"/>
+        </p:style>
         <p:txBody>
           <a:bodyPr lIns="90000" rIns="90000" tIns="45000" bIns="45000">
             <a:noAutofit/>
           </a:bodyPr>
           <a:p>
+            <a:pPr>
+              <a:lnSpc>
+                <a:spcPct val="100000"/>
+              </a:lnSpc>
+            </a:pPr>
             <a:r>
               <a:rPr b="0" lang="en-US" sz="2000" spc="-1" strike="noStrike">
                 <a:solidFill>
@@ -7780,7 +9102,7 @@
         <p:spPr>
           <a:xfrm>
             <a:off x="0" y="0"/>
-            <a:ext cx="10076400" cy="727920"/>
+            <a:ext cx="10075680" cy="727200"/>
           </a:xfrm>
           <a:prstGeom prst="rect">
             <a:avLst/>
@@ -7819,13 +9141,14 @@
                 <a:latin typeface="arial"/>
                 <a:ea typeface="arial"/>
               </a:rPr>
-              <a:t>Padrão XML - eXtensible Markup Language: veja </a:t>
-            </a:r>
-            <a:r>
-              <a:rPr b="0" lang="en-US" sz="1600" spc="-1" strike="noStrike">
-                <a:solidFill>
-                  <a:srgbClr val="355269"/>
-                </a:solidFill>
+              <a:t>Padrão XML - eXtensible Markup Language </a:t>
+            </a:r>
+            <a:r>
+              <a:rPr b="0" lang="en-US" sz="1600" spc="-1" strike="noStrike" u="sng">
+                <a:solidFill>
+                  <a:srgbClr val="0000ff"/>
+                </a:solidFill>
+                <a:uFillTx/>
                 <a:latin typeface="arial"/>
                 <a:ea typeface="arial"/>
                 <a:hlinkClick r:id="rId1"/>
@@ -7857,7 +9180,7 @@
         <p:spPr>
           <a:xfrm>
             <a:off x="136080" y="809280"/>
-            <a:ext cx="9005760" cy="468720"/>
+            <a:ext cx="9005040" cy="468000"/>
           </a:xfrm>
           <a:prstGeom prst="rect">
             <a:avLst/>
@@ -7928,7 +9251,7 @@
         <p:spPr>
           <a:xfrm>
             <a:off x="136080" y="839160"/>
-            <a:ext cx="9942480" cy="4700520"/>
+            <a:ext cx="9941760" cy="4699800"/>
           </a:xfrm>
           <a:prstGeom prst="rect">
             <a:avLst/>
@@ -7979,7 +9302,7 @@
             </a:endParaRPr>
           </a:p>
           <a:p>
-            <a:pPr marL="457200" indent="-366480">
+            <a:pPr marL="457200" indent="-365760">
               <a:lnSpc>
                 <a:spcPct val="115000"/>
               </a:lnSpc>
@@ -8007,7 +9330,17 @@
             </a:endParaRPr>
           </a:p>
           <a:p>
-            <a:pPr marL="347400">
+            <a:pPr>
+              <a:lnSpc>
+                <a:spcPct val="115000"/>
+              </a:lnSpc>
+            </a:pPr>
+            <a:endParaRPr b="0" lang="en-US" sz="2200" spc="-1" strike="noStrike">
+              <a:latin typeface="Arial"/>
+            </a:endParaRPr>
+          </a:p>
+          <a:p>
+            <a:pPr marL="457200" indent="-365760">
               <a:lnSpc>
                 <a:spcPct val="115000"/>
               </a:lnSpc>
@@ -8017,12 +9350,25 @@
               <a:buFont typeface="arial"/>
               <a:buChar char="●"/>
             </a:pPr>
+            <a:r>
+              <a:rPr b="0" lang="en-US" sz="2200" spc="-1" strike="noStrike">
+                <a:solidFill>
+                  <a:srgbClr val="000000"/>
+                </a:solidFill>
+                <a:highlight>
+                  <a:srgbClr val="ffffff"/>
+                </a:highlight>
+                <a:latin typeface="arial"/>
+                <a:ea typeface="arial"/>
+              </a:rPr>
+              <a:t>Estruturalmente parecido com XML</a:t>
+            </a:r>
             <a:endParaRPr b="0" lang="en-US" sz="2200" spc="-1" strike="noStrike">
               <a:latin typeface="Arial"/>
             </a:endParaRPr>
           </a:p>
           <a:p>
-            <a:pPr marL="457200" indent="-366480">
+            <a:pPr marL="457200" indent="-365760">
               <a:lnSpc>
                 <a:spcPct val="115000"/>
               </a:lnSpc>
@@ -8043,14 +9389,14 @@
                 <a:latin typeface="arial"/>
                 <a:ea typeface="arial"/>
               </a:rPr>
-              <a:t>Estruturalmente parecido com XML</a:t>
+              <a:t>Serve para armazenar e transportar dados</a:t>
             </a:r>
             <a:endParaRPr b="0" lang="en-US" sz="2200" spc="-1" strike="noStrike">
               <a:latin typeface="Arial"/>
             </a:endParaRPr>
           </a:p>
           <a:p>
-            <a:pPr marL="457200" indent="-366480">
+            <a:pPr marL="347400" indent="-365760">
               <a:lnSpc>
                 <a:spcPct val="115000"/>
               </a:lnSpc>
@@ -8071,27 +9417,14 @@
                 <a:latin typeface="arial"/>
                 <a:ea typeface="arial"/>
               </a:rPr>
-              <a:t>Serve para armazenar e transportar </a:t>
-            </a:r>
-            <a:r>
-              <a:rPr b="0" lang="en-US" sz="2200" spc="-1" strike="noStrike">
-                <a:solidFill>
-                  <a:srgbClr val="000000"/>
-                </a:solidFill>
-                <a:highlight>
-                  <a:srgbClr val="ffffff"/>
-                </a:highlight>
-                <a:latin typeface="arial"/>
-                <a:ea typeface="arial"/>
-              </a:rPr>
-              <a:t>dados</a:t>
+              <a:t>Arquivos de configuração</a:t>
             </a:r>
             <a:endParaRPr b="0" lang="en-US" sz="2200" spc="-1" strike="noStrike">
               <a:latin typeface="Arial"/>
             </a:endParaRPr>
           </a:p>
           <a:p>
-            <a:pPr marL="347400">
+            <a:pPr marL="347400" indent="-365760">
               <a:lnSpc>
                 <a:spcPct val="115000"/>
               </a:lnSpc>
@@ -8112,14 +9445,14 @@
                 <a:latin typeface="arial"/>
                 <a:ea typeface="arial"/>
               </a:rPr>
-              <a:t>Arquivos de configuração</a:t>
+              <a:t>Arquivos que auxiliam na troca de mensagens</a:t>
             </a:r>
             <a:endParaRPr b="0" lang="en-US" sz="2200" spc="-1" strike="noStrike">
               <a:latin typeface="Arial"/>
             </a:endParaRPr>
           </a:p>
           <a:p>
-            <a:pPr marL="347400">
+            <a:pPr marL="457200" indent="-365760">
               <a:lnSpc>
                 <a:spcPct val="115000"/>
               </a:lnSpc>
@@ -8140,14 +9473,14 @@
                 <a:latin typeface="arial"/>
                 <a:ea typeface="arial"/>
               </a:rPr>
-              <a:t>Arquivos que auxiliam na troca de mensagens</a:t>
+              <a:t>Consistente:</a:t>
             </a:r>
             <a:endParaRPr b="0" lang="en-US" sz="2200" spc="-1" strike="noStrike">
               <a:latin typeface="Arial"/>
             </a:endParaRPr>
           </a:p>
           <a:p>
-            <a:pPr marL="457200" indent="-366480">
+            <a:pPr marL="329040" indent="-365760">
               <a:lnSpc>
                 <a:spcPct val="115000"/>
               </a:lnSpc>
@@ -8168,42 +9501,14 @@
                 <a:latin typeface="arial"/>
                 <a:ea typeface="arial"/>
               </a:rPr>
-              <a:t>Consistente:</a:t>
+              <a:t>Caso uma tag não feche, não é processado</a:t>
             </a:r>
             <a:endParaRPr b="0" lang="en-US" sz="2200" spc="-1" strike="noStrike">
               <a:latin typeface="Arial"/>
             </a:endParaRPr>
           </a:p>
           <a:p>
-            <a:pPr marL="329040">
-              <a:lnSpc>
-                <a:spcPct val="115000"/>
-              </a:lnSpc>
-              <a:buClr>
-                <a:srgbClr val="000000"/>
-              </a:buClr>
-              <a:buFont typeface="arial"/>
-              <a:buChar char="●"/>
-            </a:pPr>
-            <a:r>
-              <a:rPr b="0" lang="en-US" sz="2200" spc="-1" strike="noStrike">
-                <a:solidFill>
-                  <a:srgbClr val="000000"/>
-                </a:solidFill>
-                <a:highlight>
-                  <a:srgbClr val="ffffff"/>
-                </a:highlight>
-                <a:latin typeface="arial"/>
-                <a:ea typeface="arial"/>
-              </a:rPr>
-              <a:t>Caso uma tag não feche, não é processado</a:t>
-            </a:r>
-            <a:endParaRPr b="0" lang="en-US" sz="2200" spc="-1" strike="noStrike">
-              <a:latin typeface="Arial"/>
-            </a:endParaRPr>
-          </a:p>
-          <a:p>
-            <a:pPr marL="329040">
+            <a:pPr marL="329040" indent="-365760">
               <a:lnSpc>
                 <a:spcPct val="115000"/>
               </a:lnSpc>
